--- a/UD2-Manejo_de_conectores.pptx
+++ b/UD2-Manejo_de_conectores.pptx
@@ -53,6 +53,7 @@
     <p:sldId id="300" r:id="rId48"/>
     <p:sldId id="301" r:id="rId49"/>
     <p:sldId id="302" r:id="rId50"/>
+    <p:sldId id="303" r:id="rId51"/>
   </p:sldIdLst>
   <p:sldSz cx="12192000" cy="6858000"/>
   <p:notesSz cx="7559675" cy="10691812"/>
@@ -3236,14 +3237,14 @@
                 <a:spcPct val="100000"/>
               </a:lnSpc>
             </a:pPr>
-            <a:fld id="{D0F23458-EF81-4BDD-A0EE-29B2CDC1E526}" type="datetime">
+            <a:fld id="{73F6099E-9B2B-446F-AB25-2774DA9BF2CF}" type="datetime">
               <a:rPr b="0" lang="en-US" sz="900" spc="-1" strike="noStrike">
                 <a:solidFill>
                   <a:srgbClr val="ffffff"/>
                 </a:solidFill>
                 <a:latin typeface="Calibri"/>
               </a:rPr>
-              <a:t>9/18/20</a:t>
+              <a:t>9/25/20</a:t>
             </a:fld>
             <a:endParaRPr b="0" lang="es-ES" sz="900" spc="-1" strike="noStrike">
               <a:latin typeface="Times New Roman"/>
@@ -3310,7 +3311,7 @@
                 <a:spcPct val="100000"/>
               </a:lnSpc>
             </a:pPr>
-            <a:fld id="{49163556-308E-4D34-AE3B-28DA9A9A2F98}" type="slidenum">
+            <a:fld id="{1EBFF9AC-1415-42AF-B99A-782844952E74}" type="slidenum">
               <a:rPr b="0" lang="en-US" sz="1050" spc="-1" strike="noStrike">
                 <a:solidFill>
                   <a:srgbClr val="ffffff"/>
@@ -4002,14 +4003,14 @@
                 <a:spcPct val="100000"/>
               </a:lnSpc>
             </a:pPr>
-            <a:fld id="{D5CCD0C9-9FEA-421D-BA6C-FBAFDAF7FBA6}" type="datetime">
+            <a:fld id="{0E6B1599-E6C3-44D5-891D-CDCD9CB1DFA5}" type="datetime">
               <a:rPr b="0" lang="en-US" sz="900" spc="-1" strike="noStrike">
                 <a:solidFill>
                   <a:srgbClr val="ffffff"/>
                 </a:solidFill>
                 <a:latin typeface="Calibri"/>
               </a:rPr>
-              <a:t>9/18/20</a:t>
+              <a:t>9/25/20</a:t>
             </a:fld>
             <a:endParaRPr b="0" lang="es-ES" sz="900" spc="-1" strike="noStrike">
               <a:latin typeface="Times New Roman"/>
@@ -4076,7 +4077,7 @@
                 <a:spcPct val="100000"/>
               </a:lnSpc>
             </a:pPr>
-            <a:fld id="{7DE7C703-C3DD-4093-BBBF-542902C201B0}" type="slidenum">
+            <a:fld id="{32256971-30EA-4F6A-BD9F-792AF6166727}" type="slidenum">
               <a:rPr b="0" lang="en-US" sz="1050" spc="-1" strike="noStrike">
                 <a:solidFill>
                   <a:srgbClr val="ffffff"/>
@@ -5728,7 +5729,7 @@
         </p:nvSpPr>
         <p:spPr>
           <a:xfrm>
-            <a:off x="1097280" y="341280"/>
+            <a:off x="1097280" y="286560"/>
             <a:ext cx="10058040" cy="1450440"/>
           </a:xfrm>
           <a:prstGeom prst="rect">
@@ -5785,8 +5786,8 @@
         </p:nvSpPr>
         <p:spPr>
           <a:xfrm>
-            <a:off x="1115280" y="1533240"/>
-            <a:ext cx="10058040" cy="4299480"/>
+            <a:off x="1097280" y="1841760"/>
+            <a:ext cx="10058040" cy="3996720"/>
           </a:xfrm>
           <a:prstGeom prst="rect">
             <a:avLst/>
@@ -5798,7 +5799,7 @@
         </p:spPr>
         <p:txBody>
           <a:bodyPr lIns="0" rIns="0">
-            <a:normAutofit fontScale="64000"/>
+            <a:normAutofit fontScale="60000"/>
           </a:bodyPr>
           <a:p>
             <a:pPr marL="91440" indent="-91080">
@@ -5828,7 +5829,7 @@
                 <a:spcPct val="90000"/>
               </a:lnSpc>
               <a:spcBef>
-                <a:spcPts val="1800"/>
+                <a:spcPts val="601"/>
               </a:spcBef>
               <a:spcAft>
                 <a:spcPts val="601"/>
@@ -5881,7 +5882,7 @@
                 </a:solidFill>
                 <a:latin typeface="Courier New"/>
               </a:rPr>
-              <a:t>sqlite&gt; INSERT INTO departamentos VALUES (10, 'informatica', 'bilbao');</a:t>
+              <a:t>sqlite&gt; INSERT INTO departamento VALUES (10, 'informatica', 'bilbao');</a:t>
             </a:r>
             <a:endParaRPr b="0" lang="en-US" sz="2400" spc="-1" strike="noStrike">
               <a:solidFill>
@@ -6056,7 +6057,7 @@
             </a:endParaRPr>
           </a:p>
           <a:p>
-            <a:pPr marL="91440" indent="-91080">
+            <a:pPr marL="91440" indent="-90720">
               <a:lnSpc>
                 <a:spcPct val="90000"/>
               </a:lnSpc>
@@ -6102,7 +6103,7 @@
             </a:endParaRPr>
           </a:p>
           <a:p>
-            <a:pPr marL="91440" indent="-91080">
+            <a:pPr marL="91440" indent="-90720">
               <a:lnSpc>
                 <a:spcPct val="90000"/>
               </a:lnSpc>
@@ -6130,7 +6131,7 @@
             </a:endParaRPr>
           </a:p>
           <a:p>
-            <a:pPr marL="91440" indent="-91080">
+            <a:pPr marL="91440" indent="-90720">
               <a:lnSpc>
                 <a:spcPct val="90000"/>
               </a:lnSpc>
@@ -6149,7 +6150,7 @@
             </a:endParaRPr>
           </a:p>
           <a:p>
-            <a:pPr marL="91440" indent="-91080">
+            <a:pPr marL="91440" indent="-90720">
               <a:lnSpc>
                 <a:spcPct val="90000"/>
               </a:lnSpc>
@@ -6186,7 +6187,7 @@
             </a:endParaRPr>
           </a:p>
           <a:p>
-            <a:pPr marL="91440" indent="-91080">
+            <a:pPr marL="91440" indent="-90720">
               <a:lnSpc>
                 <a:spcPct val="90000"/>
               </a:lnSpc>
@@ -30577,7 +30578,7 @@
         <p:spPr>
           <a:xfrm>
             <a:off x="80280" y="1828800"/>
-            <a:ext cx="8266680" cy="4350240"/>
+            <a:ext cx="10864440" cy="4350240"/>
           </a:xfrm>
           <a:prstGeom prst="rect">
             <a:avLst/>
@@ -30637,38 +30638,13 @@
               </a:tabLst>
             </a:pPr>
             <a:r>
-              <a:rPr b="0" lang="es-ES" sz="1200" spc="-1" strike="noStrike">
-                <a:solidFill>
-                  <a:srgbClr val="000000"/>
-                </a:solidFill>
-                <a:latin typeface="Courier New"/>
-              </a:rPr>
-              <a:t>public static void main(String[] args) {</a:t>
-            </a:r>
-            <a:endParaRPr b="0" lang="es-ES" sz="1200" spc="-1" strike="noStrike">
-              <a:latin typeface="Arial"/>
-            </a:endParaRPr>
-          </a:p>
-          <a:p>
-            <a:pPr>
-              <a:lnSpc>
-                <a:spcPct val="100000"/>
-              </a:lnSpc>
-              <a:spcBef>
-                <a:spcPts val="300"/>
-              </a:spcBef>
-              <a:tabLst>
-                <a:tab algn="l" pos="0"/>
-              </a:tabLst>
-            </a:pPr>
-            <a:r>
-              <a:rPr b="0" lang="es-ES" sz="1200" spc="-1" strike="noStrike">
-                <a:solidFill>
-                  <a:srgbClr val="000000"/>
-                </a:solidFill>
-                <a:latin typeface="Courier New"/>
-              </a:rPr>
-              <a:t>try</a:t>
+              <a:rPr b="0" lang="es-ES_tradnl" sz="1200" spc="-1" strike="noStrike">
+                <a:solidFill>
+                  <a:srgbClr val="000000"/>
+                </a:solidFill>
+                <a:latin typeface="Courier New"/>
+              </a:rPr>
+              <a:t>Import java.sql.*;</a:t>
             </a:r>
             <a:endParaRPr b="0" lang="es-ES" sz="1200" spc="-1" strike="noStrike">
               <a:latin typeface="Arial"/>
@@ -30720,25 +30696,7 @@
                 </a:solidFill>
                 <a:latin typeface="Courier New"/>
               </a:rPr>
-              <a:t>	</a:t>
-            </a:r>
-            <a:r>
-              <a:rPr b="0" lang="es-ES" sz="1200" spc="-1" strike="noStrike">
-                <a:solidFill>
-                  <a:srgbClr val="000000"/>
-                </a:solidFill>
-                <a:latin typeface="Courier New"/>
-              </a:rPr>
-              <a:t>  </a:t>
-            </a:r>
-            <a:r>
-              <a:rPr b="0" lang="es-ES" sz="1200" spc="-1" strike="noStrike">
-                <a:solidFill>
-                  <a:srgbClr val="000000"/>
-                </a:solidFill>
-                <a:latin typeface="Courier New"/>
-              </a:rPr>
-              <a:t>{ </a:t>
+              <a:t>public static void main(String[] args) {</a:t>
             </a:r>
             <a:endParaRPr b="0" lang="es-ES" sz="1200" spc="-1" strike="noStrike">
               <a:latin typeface="Arial"/>
@@ -30763,7 +30721,7 @@
                 </a:solidFill>
                 <a:latin typeface="Courier New"/>
               </a:rPr>
-              <a:t>Class.forName("com.mysql.jdbc.Driver"); //Cargar el driver</a:t>
+              <a:t>try</a:t>
             </a:r>
             <a:endParaRPr b="0" lang="es-ES" sz="1200" spc="-1" strike="noStrike">
               <a:latin typeface="Arial"/>
@@ -30815,7 +30773,7 @@
                 </a:solidFill>
                 <a:latin typeface="Courier New"/>
               </a:rPr>
-              <a:t>        </a:t>
+              <a:t>	</a:t>
             </a:r>
             <a:r>
               <a:rPr b="0" lang="es-ES" sz="1200" spc="-1" strike="noStrike">
@@ -30824,7 +30782,50 @@
                 </a:solidFill>
                 <a:latin typeface="Courier New"/>
               </a:rPr>
-              <a:t>Connection conexion = DriverManager.getConnection  </a:t>
+              <a:t>  </a:t>
+            </a:r>
+            <a:r>
+              <a:rPr b="0" lang="es-ES" sz="1200" spc="-1" strike="noStrike">
+                <a:solidFill>
+                  <a:srgbClr val="000000"/>
+                </a:solidFill>
+                <a:latin typeface="Courier New"/>
+              </a:rPr>
+              <a:t>{ </a:t>
+            </a:r>
+            <a:endParaRPr b="0" lang="es-ES" sz="1200" spc="-1" strike="noStrike">
+              <a:latin typeface="Arial"/>
+            </a:endParaRPr>
+          </a:p>
+          <a:p>
+            <a:pPr>
+              <a:lnSpc>
+                <a:spcPct val="100000"/>
+              </a:lnSpc>
+              <a:spcBef>
+                <a:spcPts val="300"/>
+              </a:spcBef>
+              <a:tabLst>
+                <a:tab algn="l" pos="0"/>
+              </a:tabLst>
+            </a:pPr>
+            <a:r>
+              <a:rPr b="0" lang="es-ES" sz="1200" spc="-1" strike="noStrike">
+                <a:solidFill>
+                  <a:srgbClr val="000000"/>
+                </a:solidFill>
+                <a:latin typeface="Courier New"/>
+              </a:rPr>
+              <a:t>	</a:t>
+            </a:r>
+            <a:r>
+              <a:rPr b="0" lang="es-ES" sz="1200" spc="-1" strike="noStrike">
+                <a:solidFill>
+                  <a:srgbClr val="000000"/>
+                </a:solidFill>
+                <a:latin typeface="Courier New"/>
+              </a:rPr>
+              <a:t>Class.forName("com.mysql.jdbc.Driver"); //Cargar el driver</a:t>
             </a:r>
             <a:endParaRPr b="0" lang="es-ES" sz="1200" spc="-1" strike="noStrike">
               <a:latin typeface="Arial"/>
@@ -30876,7 +30877,7 @@
                 </a:solidFill>
                 <a:latin typeface="Courier New"/>
               </a:rPr>
-              <a:t>           </a:t>
+              <a:t>      </a:t>
             </a:r>
             <a:r>
               <a:rPr b="0" lang="es-ES" sz="1200" spc="-1" strike="noStrike">
@@ -30885,7 +30886,7 @@
                 </a:solidFill>
                 <a:latin typeface="Courier New"/>
               </a:rPr>
-              <a:t>("jdbc:mysql://localhost/ejemplo","ejemplo", "ejemplo");   </a:t>
+              <a:t>Connection conexion = DriverManager.getConnection ("jdbc:mysql://localhost/ejemplo","ejemplo", "ejemplo");   </a:t>
             </a:r>
             <a:endParaRPr b="0" lang="es-ES" sz="1200" spc="-1" strike="noStrike">
               <a:latin typeface="Arial"/>
@@ -30913,13 +30914,22 @@
               <a:t>	</a:t>
             </a:r>
             <a:r>
+              <a:rPr b="1" lang="es-ES" sz="1200" spc="-1" strike="noStrike">
+                <a:solidFill>
+                  <a:srgbClr val="000000"/>
+                </a:solidFill>
+                <a:latin typeface="Courier New"/>
+              </a:rPr>
+              <a:t>DatabaseMetaData dbmd = conexion.getMetaData();</a:t>
+            </a:r>
+            <a:r>
               <a:rPr b="0" lang="es-ES" sz="1200" spc="-1" strike="noStrike">
                 <a:solidFill>
                   <a:srgbClr val="000000"/>
                 </a:solidFill>
                 <a:latin typeface="Courier New"/>
               </a:rPr>
-              <a:t>DatabaseMetaData dbmd = conexion.getMetaData();//Creamos objeto DatabaseMetaData</a:t>
+              <a:t>//Creamos objeto DatabaseMetaData</a:t>
             </a:r>
             <a:endParaRPr b="0" lang="es-ES" sz="1200" spc="-1" strike="noStrike">
               <a:latin typeface="Arial"/>
@@ -30989,24 +30999,6 @@
                 </a:solidFill>
                 <a:latin typeface="Courier New"/>
               </a:rPr>
-              <a:t>	</a:t>
-            </a:r>
-            <a:r>
-              <a:rPr b="0" lang="es-ES" sz="1200" spc="-1" strike="noStrike">
-                <a:solidFill>
-                  <a:srgbClr val="000000"/>
-                </a:solidFill>
-                <a:latin typeface="Courier New"/>
-              </a:rPr>
-              <a:t> </a:t>
-            </a:r>
-            <a:r>
-              <a:rPr b="0" lang="es-ES" sz="1200" spc="-1" strike="noStrike">
-                <a:solidFill>
-                  <a:srgbClr val="000000"/>
-                </a:solidFill>
-                <a:latin typeface="Courier New"/>
-              </a:rPr>
               <a:t>ResultSet resul = null;</a:t>
             </a:r>
             <a:endParaRPr b="0" lang="es-ES" sz="1200" spc="-1" strike="noStrike">
@@ -31077,24 +31069,6 @@
                 </a:solidFill>
                 <a:latin typeface="Courier New"/>
               </a:rPr>
-              <a:t>	</a:t>
-            </a:r>
-            <a:r>
-              <a:rPr b="0" lang="es-ES" sz="1200" spc="-1" strike="noStrike">
-                <a:solidFill>
-                  <a:srgbClr val="000000"/>
-                </a:solidFill>
-                <a:latin typeface="Courier New"/>
-              </a:rPr>
-              <a:t> </a:t>
-            </a:r>
-            <a:r>
-              <a:rPr b="0" lang="es-ES" sz="1200" spc="-1" strike="noStrike">
-                <a:solidFill>
-                  <a:srgbClr val="000000"/>
-                </a:solidFill>
-                <a:latin typeface="Courier New"/>
-              </a:rPr>
               <a:t>String nombre  = dbmd.getDatabaseProductName();</a:t>
             </a:r>
             <a:endParaRPr b="0" lang="es-ES" sz="1200" spc="-1" strike="noStrike">
@@ -31165,24 +31139,6 @@
                 </a:solidFill>
                 <a:latin typeface="Courier New"/>
               </a:rPr>
-              <a:t>	</a:t>
-            </a:r>
-            <a:r>
-              <a:rPr b="0" lang="es-ES" sz="1200" spc="-1" strike="noStrike">
-                <a:solidFill>
-                  <a:srgbClr val="000000"/>
-                </a:solidFill>
-                <a:latin typeface="Courier New"/>
-              </a:rPr>
-              <a:t> </a:t>
-            </a:r>
-            <a:r>
-              <a:rPr b="0" lang="es-ES" sz="1200" spc="-1" strike="noStrike">
-                <a:solidFill>
-                  <a:srgbClr val="000000"/>
-                </a:solidFill>
-                <a:latin typeface="Courier New"/>
-              </a:rPr>
               <a:t>String driver  = dbmd.getDriverName();</a:t>
             </a:r>
             <a:endParaRPr b="0" lang="es-ES" sz="1200" spc="-1" strike="noStrike">
@@ -31253,24 +31209,6 @@
                 </a:solidFill>
                 <a:latin typeface="Courier New"/>
               </a:rPr>
-              <a:t>	</a:t>
-            </a:r>
-            <a:r>
-              <a:rPr b="0" lang="es-ES" sz="1200" spc="-1" strike="noStrike">
-                <a:solidFill>
-                  <a:srgbClr val="000000"/>
-                </a:solidFill>
-                <a:latin typeface="Courier New"/>
-              </a:rPr>
-              <a:t> </a:t>
-            </a:r>
-            <a:r>
-              <a:rPr b="0" lang="es-ES" sz="1200" spc="-1" strike="noStrike">
-                <a:solidFill>
-                  <a:srgbClr val="000000"/>
-                </a:solidFill>
-                <a:latin typeface="Courier New"/>
-              </a:rPr>
               <a:t>String url     = dbmd.getURL(); </a:t>
             </a:r>
             <a:endParaRPr b="0" lang="es-ES" sz="1200" spc="-1" strike="noStrike">
@@ -31341,24 +31279,6 @@
                 </a:solidFill>
                 <a:latin typeface="Courier New"/>
               </a:rPr>
-              <a:t>	</a:t>
-            </a:r>
-            <a:r>
-              <a:rPr b="0" lang="es-ES" sz="1200" spc="-1" strike="noStrike">
-                <a:solidFill>
-                  <a:srgbClr val="000000"/>
-                </a:solidFill>
-                <a:latin typeface="Courier New"/>
-              </a:rPr>
-              <a:t> </a:t>
-            </a:r>
-            <a:r>
-              <a:rPr b="0" lang="es-ES" sz="1200" spc="-1" strike="noStrike">
-                <a:solidFill>
-                  <a:srgbClr val="000000"/>
-                </a:solidFill>
-                <a:latin typeface="Courier New"/>
-              </a:rPr>
               <a:t>String usuario = dbmd.getUserName() ;</a:t>
             </a:r>
             <a:endParaRPr b="0" lang="es-ES" sz="1200" spc="-1" strike="noStrike">
@@ -31429,24 +31349,6 @@
                 </a:solidFill>
                 <a:latin typeface="Courier New"/>
               </a:rPr>
-              <a:t>	</a:t>
-            </a:r>
-            <a:r>
-              <a:rPr b="0" lang="es-ES" sz="1200" spc="-1" strike="noStrike">
-                <a:solidFill>
-                  <a:srgbClr val="000000"/>
-                </a:solidFill>
-                <a:latin typeface="Courier New"/>
-              </a:rPr>
-              <a:t> </a:t>
-            </a:r>
-            <a:r>
-              <a:rPr b="0" lang="es-ES" sz="1200" spc="-1" strike="noStrike">
-                <a:solidFill>
-                  <a:srgbClr val="000000"/>
-                </a:solidFill>
-                <a:latin typeface="Courier New"/>
-              </a:rPr>
               <a:t>System.out.println("INFORMACIN SOBRE LA BASE DE DATOS:"+ nombre);</a:t>
             </a:r>
             <a:endParaRPr b="0" lang="es-ES" sz="1200" spc="-1" strike="noStrike">
@@ -31517,24 +31419,6 @@
                 </a:solidFill>
                 <a:latin typeface="Courier New"/>
               </a:rPr>
-              <a:t>	</a:t>
-            </a:r>
-            <a:r>
-              <a:rPr b="0" lang="es-ES" sz="1200" spc="-1" strike="noStrike">
-                <a:solidFill>
-                  <a:srgbClr val="000000"/>
-                </a:solidFill>
-                <a:latin typeface="Courier New"/>
-              </a:rPr>
-              <a:t> </a:t>
-            </a:r>
-            <a:r>
-              <a:rPr b="0" lang="es-ES" sz="1200" spc="-1" strike="noStrike">
-                <a:solidFill>
-                  <a:srgbClr val="000000"/>
-                </a:solidFill>
-                <a:latin typeface="Courier New"/>
-              </a:rPr>
               <a:t>System.out.println("Driver : " + driver );</a:t>
             </a:r>
             <a:endParaRPr b="0" lang="es-ES" sz="1200" spc="-1" strike="noStrike">
@@ -31605,24 +31489,6 @@
                 </a:solidFill>
                 <a:latin typeface="Courier New"/>
               </a:rPr>
-              <a:t>	</a:t>
-            </a:r>
-            <a:r>
-              <a:rPr b="0" lang="es-ES" sz="1200" spc="-1" strike="noStrike">
-                <a:solidFill>
-                  <a:srgbClr val="000000"/>
-                </a:solidFill>
-                <a:latin typeface="Courier New"/>
-              </a:rPr>
-              <a:t> </a:t>
-            </a:r>
-            <a:r>
-              <a:rPr b="0" lang="es-ES" sz="1200" spc="-1" strike="noStrike">
-                <a:solidFill>
-                  <a:srgbClr val="000000"/>
-                </a:solidFill>
-                <a:latin typeface="Courier New"/>
-              </a:rPr>
               <a:t>System.out.println("URL    : " + url );</a:t>
             </a:r>
             <a:endParaRPr b="0" lang="es-ES" sz="1200" spc="-1" strike="noStrike">
@@ -31693,24 +31559,6 @@
                 </a:solidFill>
                 <a:latin typeface="Courier New"/>
               </a:rPr>
-              <a:t>	</a:t>
-            </a:r>
-            <a:r>
-              <a:rPr b="0" lang="es-ES" sz="1200" spc="-1" strike="noStrike">
-                <a:solidFill>
-                  <a:srgbClr val="000000"/>
-                </a:solidFill>
-                <a:latin typeface="Courier New"/>
-              </a:rPr>
-              <a:t> </a:t>
-            </a:r>
-            <a:r>
-              <a:rPr b="0" lang="es-ES" sz="1200" spc="-1" strike="noStrike">
-                <a:solidFill>
-                  <a:srgbClr val="000000"/>
-                </a:solidFill>
-                <a:latin typeface="Courier New"/>
-              </a:rPr>
               <a:t>System.out.println("Usuario: " + usuario );</a:t>
             </a:r>
             <a:endParaRPr b="0" lang="es-ES" sz="1200" spc="-1" strike="noStrike">
@@ -31737,15 +31585,6 @@
                 <a:latin typeface="Courier New"/>
               </a:rPr>
               <a:t>	</a:t>
-            </a:r>
-            <a:r>
-              <a:rPr b="0" lang="es-ES" sz="1200" spc="-1" strike="noStrike">
-                <a:solidFill>
-                  <a:srgbClr val="000000"/>
-                </a:solidFill>
-                <a:latin typeface="Courier New"/>
-              </a:rPr>
-              <a:t>      </a:t>
             </a:r>
             <a:r>
               <a:rPr b="1" lang="es-ES" sz="1200" spc="-1" strike="noStrike">
@@ -31923,15 +31762,6 @@
                 </a:solidFill>
                 <a:latin typeface="Courier New"/>
               </a:rPr>
-              <a:t>conexion.close(); //Cerrar conexion   </a:t>
-            </a:r>
-            <a:r>
-              <a:rPr b="0" lang="es-ES" sz="1200" spc="-1" strike="noStrike">
-                <a:solidFill>
-                  <a:srgbClr val="000000"/>
-                </a:solidFill>
-                <a:latin typeface="Courier New"/>
-              </a:rPr>
               <a:t>	</a:t>
             </a:r>
             <a:r>
@@ -32013,43 +31843,7 @@
                 <a:tab algn="l" pos="11680920"/>
               </a:tabLst>
             </a:pPr>
-            <a:r>
-              <a:rPr b="0" lang="es-ES" sz="1200" spc="-1" strike="noStrike">
-                <a:solidFill>
-                  <a:srgbClr val="000000"/>
-                </a:solidFill>
-                <a:latin typeface="Courier New"/>
-              </a:rPr>
-              <a:t>	</a:t>
-            </a:r>
-            <a:r>
-              <a:rPr b="0" lang="es-ES" sz="1200" spc="-1" strike="noStrike">
-                <a:solidFill>
-                  <a:srgbClr val="000000"/>
-                </a:solidFill>
-                <a:latin typeface="Courier New"/>
-              </a:rPr>
-              <a:t>  </a:t>
-            </a:r>
-            <a:r>
-              <a:rPr b="0" lang="es-ES" sz="1200" spc="-1" strike="noStrike">
-                <a:solidFill>
-                  <a:srgbClr val="000000"/>
-                </a:solidFill>
-                <a:latin typeface="Courier New"/>
-              </a:rPr>
-              <a:t>} </a:t>
-            </a:r>
-            <a:r>
-              <a:rPr b="0" lang="es-ES" sz="1400" spc="-1" strike="noStrike">
-                <a:solidFill>
-                  <a:srgbClr val="000000"/>
-                </a:solidFill>
-                <a:latin typeface="Helvetica Light"/>
-              </a:rPr>
-              <a:t> </a:t>
-            </a:r>
-            <a:endParaRPr b="0" lang="es-ES" sz="1400" spc="-1" strike="noStrike">
+            <a:endParaRPr b="0" lang="es-ES" sz="1200" spc="-1" strike="noStrike">
               <a:latin typeface="Arial"/>
             </a:endParaRPr>
           </a:p>
@@ -32436,12 +32230,12 @@
         </p:nvSpPr>
         <p:spPr>
           <a:xfrm>
-            <a:off x="5525640" y="5656320"/>
-            <a:ext cx="2520720" cy="522720"/>
+            <a:off x="5098320" y="5656320"/>
+            <a:ext cx="2948040" cy="522720"/>
           </a:xfrm>
           <a:prstGeom prst="bentConnector3">
             <a:avLst>
-              <a:gd name="adj1" fmla="val 259"/>
+              <a:gd name="adj1" fmla="val 188"/>
             </a:avLst>
           </a:prstGeom>
           <a:noFill/>
@@ -32471,12 +32265,12 @@
         </p:nvSpPr>
         <p:spPr>
           <a:xfrm>
-            <a:off x="4989960" y="5656320"/>
-            <a:ext cx="3056400" cy="117360"/>
+            <a:off x="4516560" y="5656320"/>
+            <a:ext cx="3529800" cy="117360"/>
           </a:xfrm>
           <a:prstGeom prst="bentConnector3">
             <a:avLst>
-              <a:gd name="adj1" fmla="val 0"/>
+              <a:gd name="adj1" fmla="val 157"/>
             </a:avLst>
           </a:prstGeom>
           <a:noFill/>
@@ -32506,12 +32300,12 @@
         </p:nvSpPr>
         <p:spPr>
           <a:xfrm flipV="1">
-            <a:off x="4213800" y="5161680"/>
-            <a:ext cx="3840120" cy="352080"/>
+            <a:off x="3685320" y="5161680"/>
+            <a:ext cx="4368600" cy="254880"/>
           </a:xfrm>
           <a:prstGeom prst="bentConnector3">
             <a:avLst>
-              <a:gd name="adj1" fmla="val -193"/>
+              <a:gd name="adj1" fmla="val -105"/>
             </a:avLst>
           </a:prstGeom>
           <a:noFill/>
@@ -32541,12 +32335,12 @@
         </p:nvSpPr>
         <p:spPr>
           <a:xfrm flipV="1">
-            <a:off x="3399120" y="4889520"/>
-            <a:ext cx="4654440" cy="536400"/>
+            <a:off x="2937240" y="4888800"/>
+            <a:ext cx="5116680" cy="526680"/>
           </a:xfrm>
           <a:prstGeom prst="bentConnector3">
             <a:avLst>
-              <a:gd name="adj1" fmla="val 37"/>
+              <a:gd name="adj1" fmla="val 181"/>
             </a:avLst>
           </a:prstGeom>
           <a:noFill/>
@@ -32663,8 +32457,8 @@
         </p:nvSpPr>
         <p:spPr>
           <a:xfrm>
-            <a:off x="1054800" y="1737360"/>
-            <a:ext cx="10735920" cy="2160360"/>
+            <a:off x="1054800" y="1830600"/>
+            <a:ext cx="10735920" cy="2820600"/>
           </a:xfrm>
           <a:prstGeom prst="rect">
             <a:avLst/>
@@ -32730,7 +32524,7 @@
                 </a:solidFill>
                 <a:latin typeface="Courier New"/>
               </a:rPr>
-              <a:t>while (resul.next()) {</a:t>
+              <a:t>while (resul.next()){</a:t>
             </a:r>
             <a:r>
               <a:rPr b="0" lang="es-ES" sz="1200" spc="-1" strike="noStrike">
@@ -32827,6 +32621,24 @@
                 </a:solidFill>
                 <a:latin typeface="Courier New"/>
               </a:rPr>
+              <a:t>	</a:t>
+            </a:r>
+            <a:r>
+              <a:rPr b="0" lang="es-ES" sz="1200" spc="-1" strike="noStrike">
+                <a:solidFill>
+                  <a:srgbClr val="000000"/>
+                </a:solidFill>
+                <a:latin typeface="Courier New"/>
+              </a:rPr>
+              <a:t>	</a:t>
+            </a:r>
+            <a:r>
+              <a:rPr b="0" lang="es-ES" sz="1200" spc="-1" strike="noStrike">
+                <a:solidFill>
+                  <a:srgbClr val="000000"/>
+                </a:solidFill>
+                <a:latin typeface="Courier New"/>
+              </a:rPr>
               <a:t>String catalogo = resul.getString(1);//columna 1 que devuelve ResulSet</a:t>
             </a:r>
             <a:endParaRPr b="0" lang="es-ES" sz="1200" spc="-1" strike="noStrike">
@@ -32888,6 +32700,24 @@
                 </a:solidFill>
                 <a:latin typeface="Courier New"/>
               </a:rPr>
+              <a:t>	</a:t>
+            </a:r>
+            <a:r>
+              <a:rPr b="0" lang="es-ES" sz="1200" spc="-1" strike="noStrike">
+                <a:solidFill>
+                  <a:srgbClr val="000000"/>
+                </a:solidFill>
+                <a:latin typeface="Courier New"/>
+              </a:rPr>
+              <a:t>	</a:t>
+            </a:r>
+            <a:r>
+              <a:rPr b="0" lang="es-ES" sz="1200" spc="-1" strike="noStrike">
+                <a:solidFill>
+                  <a:srgbClr val="000000"/>
+                </a:solidFill>
+                <a:latin typeface="Courier New"/>
+              </a:rPr>
               <a:t>String esquema = resul.getString(2); //columna 2</a:t>
             </a:r>
             <a:endParaRPr b="0" lang="es-ES" sz="1200" spc="-1" strike="noStrike">
@@ -32949,6 +32779,24 @@
                 </a:solidFill>
                 <a:latin typeface="Courier New"/>
               </a:rPr>
+              <a:t>	</a:t>
+            </a:r>
+            <a:r>
+              <a:rPr b="0" lang="es-ES" sz="1200" spc="-1" strike="noStrike">
+                <a:solidFill>
+                  <a:srgbClr val="000000"/>
+                </a:solidFill>
+                <a:latin typeface="Courier New"/>
+              </a:rPr>
+              <a:t>	</a:t>
+            </a:r>
+            <a:r>
+              <a:rPr b="0" lang="es-ES" sz="1200" spc="-1" strike="noStrike">
+                <a:solidFill>
+                  <a:srgbClr val="000000"/>
+                </a:solidFill>
+                <a:latin typeface="Courier New"/>
+              </a:rPr>
               <a:t>String tabla = resul.getString(3);   //columna 3</a:t>
             </a:r>
             <a:endParaRPr b="0" lang="es-ES" sz="1200" spc="-1" strike="noStrike">
@@ -33010,6 +32858,24 @@
                 </a:solidFill>
                 <a:latin typeface="Courier New"/>
               </a:rPr>
+              <a:t>	</a:t>
+            </a:r>
+            <a:r>
+              <a:rPr b="0" lang="es-ES" sz="1200" spc="-1" strike="noStrike">
+                <a:solidFill>
+                  <a:srgbClr val="000000"/>
+                </a:solidFill>
+                <a:latin typeface="Courier New"/>
+              </a:rPr>
+              <a:t>	</a:t>
+            </a:r>
+            <a:r>
+              <a:rPr b="0" lang="es-ES" sz="1200" spc="-1" strike="noStrike">
+                <a:solidFill>
+                  <a:srgbClr val="000000"/>
+                </a:solidFill>
+                <a:latin typeface="Courier New"/>
+              </a:rPr>
               <a:t>String tipo = resul.getString(4);</a:t>
             </a:r>
             <a:r>
@@ -33098,7 +32964,25 @@
                 </a:solidFill>
                 <a:latin typeface="Courier New"/>
               </a:rPr>
-              <a:t>    </a:t>
+              <a:t> </a:t>
+            </a:r>
+            <a:r>
+              <a:rPr b="0" lang="es-ES" sz="1200" spc="-1" strike="noStrike">
+                <a:solidFill>
+                  <a:srgbClr val="000000"/>
+                </a:solidFill>
+                <a:latin typeface="Courier New"/>
+              </a:rPr>
+              <a:t>	</a:t>
+            </a:r>
+            <a:r>
+              <a:rPr b="0" lang="es-ES" sz="1200" spc="-1" strike="noStrike">
+                <a:solidFill>
+                  <a:srgbClr val="000000"/>
+                </a:solidFill>
+                <a:latin typeface="Courier New"/>
+              </a:rPr>
+              <a:t>	</a:t>
             </a:r>
             <a:r>
               <a:rPr b="0" lang="es-ES" sz="1200" spc="-1" strike="noStrike">
@@ -33177,25 +33061,7 @@
                 </a:solidFill>
                 <a:latin typeface="Courier New"/>
               </a:rPr>
-              <a:t>	</a:t>
-            </a:r>
-            <a:r>
-              <a:rPr b="0" lang="es-ES" sz="1200" spc="-1" strike="noStrike">
-                <a:solidFill>
-                  <a:srgbClr val="000000"/>
-                </a:solidFill>
-                <a:latin typeface="Courier New"/>
-              </a:rPr>
-              <a:t>   </a:t>
-            </a:r>
-            <a:r>
-              <a:rPr b="0" lang="es-ES" sz="1200" spc="-1" strike="noStrike">
-                <a:solidFill>
-                  <a:srgbClr val="000000"/>
-                </a:solidFill>
-                <a:latin typeface="Courier New"/>
-              </a:rPr>
-              <a:t>}</a:t>
+              <a:t>} //Fin del while</a:t>
             </a:r>
             <a:endParaRPr b="0" lang="es-ES" sz="1200" spc="-1" strike="noStrike">
               <a:latin typeface="Arial"/>
@@ -33241,13 +33107,22 @@
               </a:tabLst>
             </a:pPr>
             <a:r>
+              <a:rPr b="0" lang="es-ES_tradnl" sz="1200" spc="-1" strike="noStrike">
+                <a:solidFill>
+                  <a:srgbClr val="000000"/>
+                </a:solidFill>
+                <a:latin typeface="Courier New"/>
+              </a:rPr>
+              <a:t>	</a:t>
+            </a:r>
+            <a:r>
               <a:rPr b="0" lang="es-ES" sz="1200" spc="-1" strike="noStrike">
                 <a:solidFill>
                   <a:srgbClr val="000000"/>
                 </a:solidFill>
                 <a:latin typeface="Courier New"/>
               </a:rPr>
-              <a:t>catch (ClassNotFoundException cn) {cn.printStackTrace();} </a:t>
+              <a:t>conexion.close(); //Cerrar conexión</a:t>
             </a:r>
             <a:endParaRPr b="0" lang="es-ES" sz="1200" spc="-1" strike="noStrike">
               <a:latin typeface="Arial"/>
@@ -33293,12 +33168,116 @@
               </a:tabLst>
             </a:pPr>
             <a:r>
+              <a:rPr b="0" lang="es-ES_tradnl" sz="1200" spc="-1" strike="noStrike">
+                <a:solidFill>
+                  <a:srgbClr val="000000"/>
+                </a:solidFill>
+                <a:latin typeface="Courier New"/>
+              </a:rPr>
+              <a:t>} //Fin del try</a:t>
+            </a:r>
+            <a:endParaRPr b="0" lang="es-ES" sz="1200" spc="-1" strike="noStrike">
+              <a:latin typeface="Arial"/>
+            </a:endParaRPr>
+          </a:p>
+          <a:p>
+            <a:pPr>
+              <a:lnSpc>
+                <a:spcPct val="100000"/>
+              </a:lnSpc>
+              <a:spcBef>
+                <a:spcPts val="300"/>
+              </a:spcBef>
+              <a:tabLst>
+                <a:tab algn="l" pos="0"/>
+                <a:tab algn="l" pos="104760"/>
+                <a:tab algn="l" pos="554040"/>
+                <a:tab algn="l" pos="1003320"/>
+                <a:tab algn="l" pos="1452600"/>
+                <a:tab algn="l" pos="1901880"/>
+                <a:tab algn="l" pos="2351160"/>
+                <a:tab algn="l" pos="2800440"/>
+                <a:tab algn="l" pos="3249720"/>
+                <a:tab algn="l" pos="3699000"/>
+                <a:tab algn="l" pos="4148280"/>
+                <a:tab algn="l" pos="4597560"/>
+                <a:tab algn="l" pos="5046840"/>
+                <a:tab algn="l" pos="5495760"/>
+                <a:tab algn="l" pos="5945040"/>
+                <a:tab algn="l" pos="6394320"/>
+                <a:tab algn="l" pos="6843600"/>
+                <a:tab algn="l" pos="7292880"/>
+                <a:tab algn="l" pos="7742160"/>
+                <a:tab algn="l" pos="8191440"/>
+                <a:tab algn="l" pos="8640720"/>
+                <a:tab algn="l" pos="8985240"/>
+                <a:tab algn="l" pos="9434520"/>
+                <a:tab algn="l" pos="9883800"/>
+                <a:tab algn="l" pos="10333080"/>
+                <a:tab algn="l" pos="10782360"/>
+                <a:tab algn="l" pos="11231640"/>
+                <a:tab algn="l" pos="11680920"/>
+              </a:tabLst>
+            </a:pPr>
+            <a:r>
               <a:rPr b="0" lang="es-ES" sz="1200" spc="-1" strike="noStrike">
                 <a:solidFill>
                   <a:srgbClr val="000000"/>
                 </a:solidFill>
                 <a:latin typeface="Courier New"/>
               </a:rPr>
+              <a:t>catch (ClassNotFoundException cn) {cn.printStackTrace();} </a:t>
+            </a:r>
+            <a:endParaRPr b="0" lang="es-ES" sz="1200" spc="-1" strike="noStrike">
+              <a:latin typeface="Arial"/>
+            </a:endParaRPr>
+          </a:p>
+          <a:p>
+            <a:pPr>
+              <a:lnSpc>
+                <a:spcPct val="100000"/>
+              </a:lnSpc>
+              <a:spcBef>
+                <a:spcPts val="300"/>
+              </a:spcBef>
+              <a:tabLst>
+                <a:tab algn="l" pos="0"/>
+                <a:tab algn="l" pos="104760"/>
+                <a:tab algn="l" pos="554040"/>
+                <a:tab algn="l" pos="1003320"/>
+                <a:tab algn="l" pos="1452600"/>
+                <a:tab algn="l" pos="1901880"/>
+                <a:tab algn="l" pos="2351160"/>
+                <a:tab algn="l" pos="2800440"/>
+                <a:tab algn="l" pos="3249720"/>
+                <a:tab algn="l" pos="3699000"/>
+                <a:tab algn="l" pos="4148280"/>
+                <a:tab algn="l" pos="4597560"/>
+                <a:tab algn="l" pos="5046840"/>
+                <a:tab algn="l" pos="5495760"/>
+                <a:tab algn="l" pos="5945040"/>
+                <a:tab algn="l" pos="6394320"/>
+                <a:tab algn="l" pos="6843600"/>
+                <a:tab algn="l" pos="7292880"/>
+                <a:tab algn="l" pos="7742160"/>
+                <a:tab algn="l" pos="8191440"/>
+                <a:tab algn="l" pos="8640720"/>
+                <a:tab algn="l" pos="8985240"/>
+                <a:tab algn="l" pos="9434520"/>
+                <a:tab algn="l" pos="9883800"/>
+                <a:tab algn="l" pos="10333080"/>
+                <a:tab algn="l" pos="10782360"/>
+                <a:tab algn="l" pos="11231640"/>
+                <a:tab algn="l" pos="11680920"/>
+              </a:tabLst>
+            </a:pPr>
+            <a:r>
+              <a:rPr b="0" lang="es-ES" sz="1200" spc="-1" strike="noStrike">
+                <a:solidFill>
+                  <a:srgbClr val="000000"/>
+                </a:solidFill>
+                <a:latin typeface="Courier New"/>
+              </a:rPr>
               <a:t>	</a:t>
             </a:r>
             <a:r>
@@ -33336,6 +33315,110 @@
                 <a:latin typeface="Courier New"/>
               </a:rPr>
               <a:t>catch (SQLException e) {e.printStackTrace();}</a:t>
+            </a:r>
+            <a:endParaRPr b="0" lang="es-ES" sz="1200" spc="-1" strike="noStrike">
+              <a:latin typeface="Arial"/>
+            </a:endParaRPr>
+          </a:p>
+          <a:p>
+            <a:pPr>
+              <a:lnSpc>
+                <a:spcPct val="100000"/>
+              </a:lnSpc>
+              <a:spcBef>
+                <a:spcPts val="300"/>
+              </a:spcBef>
+              <a:tabLst>
+                <a:tab algn="l" pos="0"/>
+                <a:tab algn="l" pos="104760"/>
+                <a:tab algn="l" pos="554040"/>
+                <a:tab algn="l" pos="1003320"/>
+                <a:tab algn="l" pos="1452600"/>
+                <a:tab algn="l" pos="1901880"/>
+                <a:tab algn="l" pos="2351160"/>
+                <a:tab algn="l" pos="2800440"/>
+                <a:tab algn="l" pos="3249720"/>
+                <a:tab algn="l" pos="3699000"/>
+                <a:tab algn="l" pos="4148280"/>
+                <a:tab algn="l" pos="4597560"/>
+                <a:tab algn="l" pos="5046840"/>
+                <a:tab algn="l" pos="5495760"/>
+                <a:tab algn="l" pos="5945040"/>
+                <a:tab algn="l" pos="6394320"/>
+                <a:tab algn="l" pos="6843600"/>
+                <a:tab algn="l" pos="7292880"/>
+                <a:tab algn="l" pos="7742160"/>
+                <a:tab algn="l" pos="8191440"/>
+                <a:tab algn="l" pos="8640720"/>
+                <a:tab algn="l" pos="8985240"/>
+                <a:tab algn="l" pos="9434520"/>
+                <a:tab algn="l" pos="9883800"/>
+                <a:tab algn="l" pos="10333080"/>
+                <a:tab algn="l" pos="10782360"/>
+                <a:tab algn="l" pos="11231640"/>
+                <a:tab algn="l" pos="11680920"/>
+              </a:tabLst>
+            </a:pPr>
+            <a:r>
+              <a:rPr b="0" lang="es-ES_tradnl" sz="1200" spc="-1" strike="noStrike">
+                <a:solidFill>
+                  <a:srgbClr val="000000"/>
+                </a:solidFill>
+                <a:latin typeface="Courier New"/>
+              </a:rPr>
+              <a:t>} //Fin del main</a:t>
+            </a:r>
+            <a:endParaRPr b="0" lang="es-ES" sz="1200" spc="-1" strike="noStrike">
+              <a:latin typeface="Arial"/>
+            </a:endParaRPr>
+          </a:p>
+          <a:p>
+            <a:pPr>
+              <a:lnSpc>
+                <a:spcPct val="100000"/>
+              </a:lnSpc>
+              <a:spcBef>
+                <a:spcPts val="300"/>
+              </a:spcBef>
+              <a:tabLst>
+                <a:tab algn="l" pos="0"/>
+                <a:tab algn="l" pos="104760"/>
+                <a:tab algn="l" pos="554040"/>
+                <a:tab algn="l" pos="1003320"/>
+                <a:tab algn="l" pos="1452600"/>
+                <a:tab algn="l" pos="1901880"/>
+                <a:tab algn="l" pos="2351160"/>
+                <a:tab algn="l" pos="2800440"/>
+                <a:tab algn="l" pos="3249720"/>
+                <a:tab algn="l" pos="3699000"/>
+                <a:tab algn="l" pos="4148280"/>
+                <a:tab algn="l" pos="4597560"/>
+                <a:tab algn="l" pos="5046840"/>
+                <a:tab algn="l" pos="5495760"/>
+                <a:tab algn="l" pos="5945040"/>
+                <a:tab algn="l" pos="6394320"/>
+                <a:tab algn="l" pos="6843600"/>
+                <a:tab algn="l" pos="7292880"/>
+                <a:tab algn="l" pos="7742160"/>
+                <a:tab algn="l" pos="8191440"/>
+                <a:tab algn="l" pos="8640720"/>
+                <a:tab algn="l" pos="8985240"/>
+                <a:tab algn="l" pos="9434520"/>
+                <a:tab algn="l" pos="9883800"/>
+                <a:tab algn="l" pos="10333080"/>
+                <a:tab algn="l" pos="10782360"/>
+                <a:tab algn="l" pos="11231640"/>
+                <a:tab algn="l" pos="11680920"/>
+              </a:tabLst>
+            </a:pPr>
+            <a:r>
+              <a:rPr b="0" lang="es-ES_tradnl" sz="1200" spc="-1" strike="noStrike">
+                <a:solidFill>
+                  <a:srgbClr val="000000"/>
+                </a:solidFill>
+                <a:latin typeface="Courier New"/>
+              </a:rPr>
+              <a:t>} //Fin de la clase</a:t>
             </a:r>
             <a:endParaRPr b="0" lang="es-ES" sz="1200" spc="-1" strike="noStrike">
               <a:latin typeface="Arial"/>
@@ -33355,8 +33438,8 @@
         </p:blipFill>
         <p:spPr>
           <a:xfrm>
-            <a:off x="3021480" y="4028760"/>
-            <a:ext cx="6802200" cy="2086200"/>
+            <a:off x="4737960" y="4396680"/>
+            <a:ext cx="6226200" cy="1909440"/>
           </a:xfrm>
           <a:prstGeom prst="rect">
             <a:avLst/>
@@ -33462,180 +33545,6 @@
               <a:latin typeface="Calibri"/>
             </a:endParaRPr>
           </a:p>
-          <a:p>
-            <a:pPr marL="91440" indent="-91080" algn="just">
-              <a:lnSpc>
-                <a:spcPct val="90000"/>
-              </a:lnSpc>
-              <a:spcBef>
-                <a:spcPts val="2401"/>
-              </a:spcBef>
-              <a:buClr>
-                <a:srgbClr val="e48312"/>
-              </a:buClr>
-              <a:buSzPct val="75000"/>
-              <a:buFont typeface="Helvetica Light"/>
-              <a:buChar char="•"/>
-            </a:pPr>
-            <a:r>
-              <a:rPr b="1" lang="es-ES" sz="2000" spc="-1" strike="noStrike">
-                <a:solidFill>
-                  <a:srgbClr val="404040"/>
-                </a:solidFill>
-                <a:latin typeface="Calibri Light"/>
-              </a:rPr>
-              <a:t>Actividad 8.1. </a:t>
-            </a:r>
-            <a:r>
-              <a:rPr b="0" lang="es-ES" sz="2000" spc="-1" strike="noStrike">
-                <a:solidFill>
-                  <a:srgbClr val="404040"/>
-                </a:solidFill>
-                <a:latin typeface="Calibri Light"/>
-              </a:rPr>
-              <a:t>Prueba el programa anterior para visualizar información de la columna de empleados.</a:t>
-            </a:r>
-            <a:endParaRPr b="0" lang="en-US" sz="2000" spc="-1" strike="noStrike">
-              <a:solidFill>
-                <a:srgbClr val="404040"/>
-              </a:solidFill>
-              <a:latin typeface="Calibri"/>
-            </a:endParaRPr>
-          </a:p>
-          <a:p>
-            <a:pPr algn="ctr">
-              <a:lnSpc>
-                <a:spcPct val="90000"/>
-              </a:lnSpc>
-              <a:spcBef>
-                <a:spcPts val="901"/>
-              </a:spcBef>
-              <a:spcAft>
-                <a:spcPts val="201"/>
-              </a:spcAft>
-              <a:tabLst>
-                <a:tab algn="l" pos="0"/>
-              </a:tabLst>
-            </a:pPr>
-            <a:r>
-              <a:rPr b="0" lang="es-ES" sz="1600" spc="-1" strike="noStrike">
-                <a:solidFill>
-                  <a:srgbClr val="000000"/>
-                </a:solidFill>
-                <a:latin typeface="Courier New"/>
-                <a:ea typeface="Monaco"/>
-              </a:rPr>
-              <a:t>columnas =  dbmd.getColumns(</a:t>
-            </a:r>
-            <a:r>
-              <a:rPr b="0" lang="es-ES" sz="1600" spc="-1" strike="noStrike">
-                <a:solidFill>
-                  <a:srgbClr val="931a68"/>
-                </a:solidFill>
-                <a:latin typeface="Courier New"/>
-                <a:ea typeface="Monaco"/>
-              </a:rPr>
-              <a:t>null</a:t>
-            </a:r>
-            <a:r>
-              <a:rPr b="0" lang="es-ES" sz="1600" spc="-1" strike="noStrike">
-                <a:solidFill>
-                  <a:srgbClr val="000000"/>
-                </a:solidFill>
-                <a:latin typeface="Courier New"/>
-                <a:ea typeface="Monaco"/>
-              </a:rPr>
-              <a:t>,</a:t>
-            </a:r>
-            <a:r>
-              <a:rPr b="0" lang="es-ES" sz="1600" spc="-1" strike="noStrike">
-                <a:solidFill>
-                  <a:srgbClr val="3933ff"/>
-                </a:solidFill>
-                <a:latin typeface="Courier New"/>
-                <a:ea typeface="Monaco"/>
-              </a:rPr>
-              <a:t>"ejemplo"</a:t>
-            </a:r>
-            <a:r>
-              <a:rPr b="0" lang="es-ES" sz="1600" spc="-1" strike="noStrike">
-                <a:solidFill>
-                  <a:srgbClr val="000000"/>
-                </a:solidFill>
-                <a:latin typeface="Courier New"/>
-                <a:ea typeface="Monaco"/>
-              </a:rPr>
-              <a:t>,</a:t>
-            </a:r>
-            <a:r>
-              <a:rPr b="0" lang="es-ES" sz="1600" spc="-1" strike="noStrike">
-                <a:solidFill>
-                  <a:srgbClr val="3933ff"/>
-                </a:solidFill>
-                <a:latin typeface="Courier New"/>
-                <a:ea typeface="Monaco"/>
-              </a:rPr>
-              <a:t>"departamentos"</a:t>
-            </a:r>
-            <a:r>
-              <a:rPr b="0" lang="es-ES" sz="1600" spc="-1" strike="noStrike">
-                <a:solidFill>
-                  <a:srgbClr val="000000"/>
-                </a:solidFill>
-                <a:latin typeface="Courier New"/>
-                <a:ea typeface="Monaco"/>
-              </a:rPr>
-              <a:t>,</a:t>
-            </a:r>
-            <a:r>
-              <a:rPr b="0" lang="es-ES" sz="1600" spc="-1" strike="noStrike">
-                <a:solidFill>
-                  <a:srgbClr val="931a68"/>
-                </a:solidFill>
-                <a:latin typeface="Courier New"/>
-                <a:ea typeface="Monaco"/>
-              </a:rPr>
-              <a:t>null</a:t>
-            </a:r>
-            <a:r>
-              <a:rPr b="0" lang="es-ES" sz="1600" spc="-1" strike="noStrike">
-                <a:solidFill>
-                  <a:srgbClr val="000000"/>
-                </a:solidFill>
-                <a:latin typeface="Courier New"/>
-                <a:ea typeface="Monaco"/>
-              </a:rPr>
-              <a:t>);</a:t>
-            </a:r>
-            <a:endParaRPr b="0" lang="en-US" sz="1600" spc="-1" strike="noStrike">
-              <a:solidFill>
-                <a:srgbClr val="404040"/>
-              </a:solidFill>
-              <a:latin typeface="Calibri"/>
-            </a:endParaRPr>
-          </a:p>
-          <a:p>
-            <a:pPr algn="just">
-              <a:lnSpc>
-                <a:spcPct val="90000"/>
-              </a:lnSpc>
-              <a:spcBef>
-                <a:spcPts val="2401"/>
-              </a:spcBef>
-              <a:spcAft>
-                <a:spcPts val="201"/>
-              </a:spcAft>
-              <a:tabLst>
-                <a:tab algn="l" pos="0"/>
-              </a:tabLst>
-            </a:pPr>
-            <a:endParaRPr b="0" lang="en-US" sz="1600" spc="-1" strike="noStrike">
-              <a:solidFill>
-                <a:srgbClr val="404040"/>
-              </a:solidFill>
-              <a:latin typeface="Calibri"/>
-            </a:endParaRPr>
-          </a:p>
         </p:txBody>
       </p:sp>
       <p:sp>
@@ -33733,7 +33642,7 @@
         </p:nvSpPr>
         <p:spPr>
           <a:xfrm>
-            <a:off x="295560" y="286560"/>
+            <a:off x="295560" y="178920"/>
             <a:ext cx="11619720" cy="1450440"/>
           </a:xfrm>
           <a:prstGeom prst="rect">
@@ -33988,45 +33897,6 @@
               <a:t>getColumnDisplaySize()</a:t>
             </a:r>
             <a:endParaRPr b="0" lang="en-US" sz="2000" spc="-1" strike="noStrike">
-              <a:solidFill>
-                <a:srgbClr val="404040"/>
-              </a:solidFill>
-              <a:latin typeface="Calibri"/>
-            </a:endParaRPr>
-          </a:p>
-          <a:p>
-            <a:pPr marL="91440" indent="-91080" algn="just">
-              <a:lnSpc>
-                <a:spcPct val="90000"/>
-              </a:lnSpc>
-              <a:spcBef>
-                <a:spcPts val="601"/>
-              </a:spcBef>
-              <a:buClr>
-                <a:srgbClr val="e48312"/>
-              </a:buClr>
-              <a:buSzPct val="75000"/>
-              <a:buFont typeface="Helvetica Light"/>
-              <a:buChar char="•"/>
-            </a:pPr>
-            <a:r>
-              <a:rPr b="0" lang="es-ES" sz="2400" spc="-1" strike="noStrike">
-                <a:solidFill>
-                  <a:srgbClr val="404040"/>
-                </a:solidFill>
-                <a:latin typeface="Calibri Light"/>
-              </a:rPr>
-              <a:t>Actividades 9, 10, 11</a:t>
-            </a:r>
-            <a:endParaRPr b="0" lang="en-US" sz="2400" spc="-1" strike="noStrike">
-              <a:solidFill>
-                <a:srgbClr val="404040"/>
-              </a:solidFill>
-              <a:latin typeface="Calibri"/>
-            </a:endParaRPr>
-          </a:p>
-          <a:p>
-            <a:endParaRPr b="0" lang="en-US" sz="2400" spc="-1" strike="noStrike">
               <a:solidFill>
                 <a:srgbClr val="404040"/>
               </a:solidFill>
@@ -34073,7 +33943,7 @@
         </p:nvSpPr>
         <p:spPr>
           <a:xfrm>
-            <a:off x="295560" y="286560"/>
+            <a:off x="295560" y="178920"/>
             <a:ext cx="11619720" cy="1450440"/>
           </a:xfrm>
           <a:prstGeom prst="rect">
@@ -34124,14 +33994,14 @@
       </p:sp>
       <p:sp>
         <p:nvSpPr>
-          <p:cNvPr id="332" name="TextShape 2"/>
-          <p:cNvSpPr txBox="1"/>
+          <p:cNvPr id="332" name="CustomShape 2"/>
+          <p:cNvSpPr/>
           <p:nvPr/>
         </p:nvSpPr>
         <p:spPr>
           <a:xfrm>
-            <a:off x="1097280" y="1887840"/>
-            <a:ext cx="10188720" cy="4290480"/>
+            <a:off x="1075680" y="1828800"/>
+            <a:ext cx="9964080" cy="3388320"/>
           </a:xfrm>
           <a:prstGeom prst="rect">
             <a:avLst/>
@@ -34141,236 +34011,1205 @@
             <a:noFill/>
           </a:ln>
         </p:spPr>
+        <p:style>
+          <a:lnRef idx="0"/>
+          <a:fillRef idx="0"/>
+          <a:effectRef idx="0"/>
+          <a:fontRef idx="minor"/>
+        </p:style>
         <p:txBody>
-          <a:bodyPr lIns="0" rIns="0">
-            <a:normAutofit/>
+          <a:bodyPr lIns="50760" rIns="50760" tIns="50760" bIns="50760" anchor="ctr">
+            <a:noAutofit/>
           </a:bodyPr>
           <a:p>
-            <a:pPr marL="91440" indent="-91080" algn="just">
-              <a:lnSpc>
-                <a:spcPct val="90000"/>
+            <a:pPr>
+              <a:lnSpc>
+                <a:spcPct val="100000"/>
               </a:lnSpc>
               <a:spcBef>
-                <a:spcPts val="601"/>
+                <a:spcPts val="300"/>
               </a:spcBef>
-              <a:buClr>
-                <a:srgbClr val="e48312"/>
-              </a:buClr>
-              <a:buSzPct val="75000"/>
-              <a:buFont typeface="Helvetica Light"/>
-              <a:buChar char="•"/>
-            </a:pPr>
-            <a:r>
-              <a:rPr b="0" lang="es-ES" sz="2400" spc="-1" strike="noStrike">
-                <a:solidFill>
-                  <a:srgbClr val="404040"/>
-                </a:solidFill>
-                <a:latin typeface="Calibri Light"/>
-              </a:rPr>
-              <a:t>El objeto ResultSetMetaData proporciona información sobre las columnas de la base de datos a través de múltiples métodos</a:t>
-            </a:r>
-            <a:endParaRPr b="0" lang="en-US" sz="2400" spc="-1" strike="noStrike">
-              <a:solidFill>
-                <a:srgbClr val="404040"/>
-              </a:solidFill>
-              <a:latin typeface="Calibri"/>
-            </a:endParaRPr>
-          </a:p>
-          <a:p>
-            <a:pPr lvl="1" marL="384120" indent="-182520" algn="just">
-              <a:lnSpc>
-                <a:spcPct val="90000"/>
+              <a:tabLst>
+                <a:tab algn="l" pos="0"/>
+                <a:tab algn="l" pos="104760"/>
+                <a:tab algn="l" pos="554040"/>
+                <a:tab algn="l" pos="1003320"/>
+                <a:tab algn="l" pos="1452600"/>
+                <a:tab algn="l" pos="1901880"/>
+                <a:tab algn="l" pos="2351160"/>
+                <a:tab algn="l" pos="2800440"/>
+                <a:tab algn="l" pos="3249720"/>
+                <a:tab algn="l" pos="3699000"/>
+                <a:tab algn="l" pos="4148280"/>
+                <a:tab algn="l" pos="4597560"/>
+                <a:tab algn="l" pos="5046840"/>
+                <a:tab algn="l" pos="5495760"/>
+                <a:tab algn="l" pos="5945040"/>
+                <a:tab algn="l" pos="6394320"/>
+                <a:tab algn="l" pos="6843600"/>
+                <a:tab algn="l" pos="7292880"/>
+                <a:tab algn="l" pos="7742160"/>
+                <a:tab algn="l" pos="8191440"/>
+                <a:tab algn="l" pos="8640720"/>
+                <a:tab algn="l" pos="8985240"/>
+                <a:tab algn="l" pos="9434520"/>
+                <a:tab algn="l" pos="9883800"/>
+                <a:tab algn="l" pos="10333080"/>
+                <a:tab algn="l" pos="10782360"/>
+                <a:tab algn="l" pos="11231640"/>
+                <a:tab algn="l" pos="11680920"/>
+              </a:tabLst>
+            </a:pPr>
+            <a:r>
+              <a:rPr b="0" lang="es-ES" sz="1200" spc="-1" strike="noStrike">
+                <a:solidFill>
+                  <a:srgbClr val="000000"/>
+                </a:solidFill>
+                <a:latin typeface="Courier New"/>
+              </a:rPr>
+              <a:t>  </a:t>
+            </a:r>
+            <a:r>
+              <a:rPr b="0" lang="es-ES" sz="1200" spc="-1" strike="noStrike">
+                <a:solidFill>
+                  <a:srgbClr val="000000"/>
+                </a:solidFill>
+                <a:latin typeface="Courier New"/>
+              </a:rPr>
+              <a:t>System.out.println(“COLUMNAS TABLA DEPARTAMENTOS”);</a:t>
+            </a:r>
+            <a:endParaRPr b="0" lang="es-ES" sz="1200" spc="-1" strike="noStrike">
+              <a:latin typeface="Arial"/>
+            </a:endParaRPr>
+          </a:p>
+          <a:p>
+            <a:pPr>
+              <a:lnSpc>
+                <a:spcPct val="100000"/>
               </a:lnSpc>
               <a:spcBef>
-                <a:spcPts val="601"/>
+                <a:spcPts val="300"/>
               </a:spcBef>
-              <a:buClr>
-                <a:srgbClr val="e48312"/>
-              </a:buClr>
-              <a:buSzPct val="75000"/>
-              <a:buFont typeface="Helvetica Light"/>
-              <a:buChar char="•"/>
-            </a:pPr>
-            <a:r>
-              <a:rPr b="1" lang="es-ES" sz="2000" spc="-1" strike="noStrike">
-                <a:solidFill>
-                  <a:srgbClr val="404040"/>
-                </a:solidFill>
-                <a:latin typeface="Calibri Light"/>
-              </a:rPr>
-              <a:t>getColumnCount():</a:t>
-            </a:r>
-            <a:endParaRPr b="0" lang="en-US" sz="2000" spc="-1" strike="noStrike">
-              <a:solidFill>
-                <a:srgbClr val="404040"/>
-              </a:solidFill>
-              <a:latin typeface="Calibri"/>
-            </a:endParaRPr>
-          </a:p>
-          <a:p>
-            <a:pPr lvl="1" marL="384120" indent="-182520" algn="just">
-              <a:lnSpc>
-                <a:spcPct val="90000"/>
+              <a:tabLst>
+                <a:tab algn="l" pos="0"/>
+                <a:tab algn="l" pos="104760"/>
+                <a:tab algn="l" pos="554040"/>
+                <a:tab algn="l" pos="1003320"/>
+                <a:tab algn="l" pos="1452600"/>
+                <a:tab algn="l" pos="1901880"/>
+                <a:tab algn="l" pos="2351160"/>
+                <a:tab algn="l" pos="2800440"/>
+                <a:tab algn="l" pos="3249720"/>
+                <a:tab algn="l" pos="3699000"/>
+                <a:tab algn="l" pos="4148280"/>
+                <a:tab algn="l" pos="4597560"/>
+                <a:tab algn="l" pos="5046840"/>
+                <a:tab algn="l" pos="5495760"/>
+                <a:tab algn="l" pos="5945040"/>
+                <a:tab algn="l" pos="6394320"/>
+                <a:tab algn="l" pos="6843600"/>
+                <a:tab algn="l" pos="7292880"/>
+                <a:tab algn="l" pos="7742160"/>
+                <a:tab algn="l" pos="8191440"/>
+                <a:tab algn="l" pos="8640720"/>
+                <a:tab algn="l" pos="8985240"/>
+                <a:tab algn="l" pos="9434520"/>
+                <a:tab algn="l" pos="9883800"/>
+                <a:tab algn="l" pos="10333080"/>
+                <a:tab algn="l" pos="10782360"/>
+                <a:tab algn="l" pos="11231640"/>
+                <a:tab algn="l" pos="11680920"/>
+              </a:tabLst>
+            </a:pPr>
+            <a:r>
+              <a:rPr b="0" lang="es-ES" sz="1200" spc="-1" strike="noStrike">
+                <a:solidFill>
+                  <a:srgbClr val="000000"/>
+                </a:solidFill>
+                <a:latin typeface="Courier New"/>
+              </a:rPr>
+              <a:t>  </a:t>
+            </a:r>
+            <a:r>
+              <a:rPr b="0" lang="es-ES" sz="1200" spc="-1" strike="noStrike">
+                <a:solidFill>
+                  <a:srgbClr val="000000"/>
+                </a:solidFill>
+                <a:latin typeface="Courier New"/>
+              </a:rPr>
+              <a:t>System.out.println(“=============================================”);</a:t>
+            </a:r>
+            <a:endParaRPr b="0" lang="es-ES" sz="1200" spc="-1" strike="noStrike">
+              <a:latin typeface="Arial"/>
+            </a:endParaRPr>
+          </a:p>
+          <a:p>
+            <a:pPr>
+              <a:lnSpc>
+                <a:spcPct val="100000"/>
               </a:lnSpc>
               <a:spcBef>
-                <a:spcPts val="601"/>
+                <a:spcPts val="300"/>
               </a:spcBef>
-              <a:buClr>
-                <a:srgbClr val="e48312"/>
-              </a:buClr>
-              <a:buSzPct val="75000"/>
-              <a:buFont typeface="Helvetica Light"/>
-              <a:buChar char="•"/>
-            </a:pPr>
-            <a:r>
-              <a:rPr b="1" lang="es-ES" sz="2000" spc="-1" strike="noStrike">
-                <a:solidFill>
-                  <a:srgbClr val="404040"/>
-                </a:solidFill>
-                <a:latin typeface="Calibri Light"/>
-              </a:rPr>
-              <a:t>getColumnName()</a:t>
-            </a:r>
-            <a:endParaRPr b="0" lang="en-US" sz="2000" spc="-1" strike="noStrike">
-              <a:solidFill>
-                <a:srgbClr val="404040"/>
-              </a:solidFill>
-              <a:latin typeface="Calibri"/>
-            </a:endParaRPr>
-          </a:p>
-          <a:p>
-            <a:pPr lvl="1" marL="384120" indent="-182520" algn="just">
-              <a:lnSpc>
-                <a:spcPct val="90000"/>
+              <a:tabLst>
+                <a:tab algn="l" pos="0"/>
+                <a:tab algn="l" pos="104760"/>
+                <a:tab algn="l" pos="554040"/>
+                <a:tab algn="l" pos="1003320"/>
+                <a:tab algn="l" pos="1452600"/>
+                <a:tab algn="l" pos="1901880"/>
+                <a:tab algn="l" pos="2351160"/>
+                <a:tab algn="l" pos="2800440"/>
+                <a:tab algn="l" pos="3249720"/>
+                <a:tab algn="l" pos="3699000"/>
+                <a:tab algn="l" pos="4148280"/>
+                <a:tab algn="l" pos="4597560"/>
+                <a:tab algn="l" pos="5046840"/>
+                <a:tab algn="l" pos="5495760"/>
+                <a:tab algn="l" pos="5945040"/>
+                <a:tab algn="l" pos="6394320"/>
+                <a:tab algn="l" pos="6843600"/>
+                <a:tab algn="l" pos="7292880"/>
+                <a:tab algn="l" pos="7742160"/>
+                <a:tab algn="l" pos="8191440"/>
+                <a:tab algn="l" pos="8640720"/>
+                <a:tab algn="l" pos="8985240"/>
+                <a:tab algn="l" pos="9434520"/>
+                <a:tab algn="l" pos="9883800"/>
+                <a:tab algn="l" pos="10333080"/>
+                <a:tab algn="l" pos="10782360"/>
+                <a:tab algn="l" pos="11231640"/>
+                <a:tab algn="l" pos="11680920"/>
+              </a:tabLst>
+            </a:pPr>
+            <a:r>
+              <a:rPr b="0" lang="es-ES_tradnl" sz="1200" spc="-1" strike="noStrike">
+                <a:solidFill>
+                  <a:srgbClr val="000000"/>
+                </a:solidFill>
+                <a:latin typeface="Courier New"/>
+              </a:rPr>
+              <a:t>	</a:t>
+            </a:r>
+            <a:r>
+              <a:rPr b="0" lang="es-ES_tradnl" sz="1200" spc="-1" strike="noStrike">
+                <a:solidFill>
+                  <a:srgbClr val="000000"/>
+                </a:solidFill>
+                <a:latin typeface="Courier New"/>
+              </a:rPr>
+              <a:t>	</a:t>
+            </a:r>
+            <a:r>
+              <a:rPr b="0" lang="es-ES_tradnl" sz="1200" spc="-1" strike="noStrike">
+                <a:solidFill>
+                  <a:srgbClr val="000000"/>
+                </a:solidFill>
+                <a:latin typeface="Courier New"/>
+              </a:rPr>
+              <a:t> </a:t>
+            </a:r>
+            <a:r>
+              <a:rPr b="0" lang="es-ES_tradnl" sz="1200" spc="-1" strike="noStrike">
+                <a:solidFill>
+                  <a:srgbClr val="000000"/>
+                </a:solidFill>
+                <a:latin typeface="Courier New"/>
+              </a:rPr>
+              <a:t>Resulset columnas=null;</a:t>
+            </a:r>
+            <a:endParaRPr b="0" lang="es-ES" sz="1200" spc="-1" strike="noStrike">
+              <a:latin typeface="Arial"/>
+            </a:endParaRPr>
+          </a:p>
+          <a:p>
+            <a:pPr>
+              <a:lnSpc>
+                <a:spcPct val="100000"/>
               </a:lnSpc>
               <a:spcBef>
-                <a:spcPts val="601"/>
+                <a:spcPts val="300"/>
               </a:spcBef>
-              <a:buClr>
-                <a:srgbClr val="e48312"/>
-              </a:buClr>
-              <a:buSzPct val="75000"/>
-              <a:buFont typeface="Helvetica Light"/>
-              <a:buChar char="•"/>
-            </a:pPr>
-            <a:r>
-              <a:rPr b="1" lang="es-ES" sz="2000" spc="-1" strike="noStrike">
-                <a:solidFill>
-                  <a:srgbClr val="404040"/>
-                </a:solidFill>
-                <a:latin typeface="Calibri Light"/>
-              </a:rPr>
-              <a:t>getColumnTypeName(índice)</a:t>
-            </a:r>
-            <a:endParaRPr b="0" lang="en-US" sz="2000" spc="-1" strike="noStrike">
-              <a:solidFill>
-                <a:srgbClr val="404040"/>
-              </a:solidFill>
-              <a:latin typeface="Calibri"/>
-            </a:endParaRPr>
-          </a:p>
-          <a:p>
-            <a:pPr lvl="1" marL="384120" indent="-182520" algn="just">
-              <a:lnSpc>
-                <a:spcPct val="90000"/>
+              <a:tabLst>
+                <a:tab algn="l" pos="0"/>
+                <a:tab algn="l" pos="104760"/>
+                <a:tab algn="l" pos="554040"/>
+                <a:tab algn="l" pos="1003320"/>
+                <a:tab algn="l" pos="1452600"/>
+                <a:tab algn="l" pos="1901880"/>
+                <a:tab algn="l" pos="2351160"/>
+                <a:tab algn="l" pos="2800440"/>
+                <a:tab algn="l" pos="3249720"/>
+                <a:tab algn="l" pos="3699000"/>
+                <a:tab algn="l" pos="4148280"/>
+                <a:tab algn="l" pos="4597560"/>
+                <a:tab algn="l" pos="5046840"/>
+                <a:tab algn="l" pos="5495760"/>
+                <a:tab algn="l" pos="5945040"/>
+                <a:tab algn="l" pos="6394320"/>
+                <a:tab algn="l" pos="6843600"/>
+                <a:tab algn="l" pos="7292880"/>
+                <a:tab algn="l" pos="7742160"/>
+                <a:tab algn="l" pos="8191440"/>
+                <a:tab algn="l" pos="8640720"/>
+                <a:tab algn="l" pos="8985240"/>
+                <a:tab algn="l" pos="9434520"/>
+                <a:tab algn="l" pos="9883800"/>
+                <a:tab algn="l" pos="10333080"/>
+                <a:tab algn="l" pos="10782360"/>
+                <a:tab algn="l" pos="11231640"/>
+                <a:tab algn="l" pos="11680920"/>
+              </a:tabLst>
+            </a:pPr>
+            <a:r>
+              <a:rPr b="0" lang="es-ES" sz="1200" spc="-1" strike="noStrike">
+                <a:solidFill>
+                  <a:srgbClr val="000000"/>
+                </a:solidFill>
+                <a:latin typeface="Courier New"/>
+                <a:ea typeface="Monaco"/>
+              </a:rPr>
+              <a:t>	</a:t>
+            </a:r>
+            <a:r>
+              <a:rPr b="0" lang="es-ES" sz="1200" spc="-1" strike="noStrike">
+                <a:solidFill>
+                  <a:srgbClr val="000000"/>
+                </a:solidFill>
+                <a:latin typeface="Courier New"/>
+                <a:ea typeface="Monaco"/>
+              </a:rPr>
+              <a:t>	</a:t>
+            </a:r>
+            <a:r>
+              <a:rPr b="0" lang="es-ES" sz="1200" spc="-1" strike="noStrike">
+                <a:solidFill>
+                  <a:srgbClr val="000000"/>
+                </a:solidFill>
+                <a:latin typeface="Courier New"/>
+                <a:ea typeface="Monaco"/>
+              </a:rPr>
+              <a:t> </a:t>
+            </a:r>
+            <a:r>
+              <a:rPr b="0" lang="es-ES" sz="1200" spc="-1" strike="noStrike">
+                <a:solidFill>
+                  <a:srgbClr val="000000"/>
+                </a:solidFill>
+                <a:latin typeface="Courier New"/>
+                <a:ea typeface="Monaco"/>
+              </a:rPr>
+              <a:t>columnas =  dbmd.getColumns(</a:t>
+            </a:r>
+            <a:r>
+              <a:rPr b="0" lang="es-ES" sz="1200" spc="-1" strike="noStrike">
+                <a:solidFill>
+                  <a:srgbClr val="931a68"/>
+                </a:solidFill>
+                <a:latin typeface="Courier New"/>
+                <a:ea typeface="Monaco"/>
+              </a:rPr>
+              <a:t>null</a:t>
+            </a:r>
+            <a:r>
+              <a:rPr b="0" lang="es-ES" sz="1200" spc="-1" strike="noStrike">
+                <a:solidFill>
+                  <a:srgbClr val="000000"/>
+                </a:solidFill>
+                <a:latin typeface="Courier New"/>
+                <a:ea typeface="Monaco"/>
+              </a:rPr>
+              <a:t>,</a:t>
+            </a:r>
+            <a:r>
+              <a:rPr b="0" lang="es-ES" sz="1200" spc="-1" strike="noStrike">
+                <a:solidFill>
+                  <a:srgbClr val="3933ff"/>
+                </a:solidFill>
+                <a:latin typeface="Courier New"/>
+                <a:ea typeface="Monaco"/>
+              </a:rPr>
+              <a:t>"ejemplo"</a:t>
+            </a:r>
+            <a:r>
+              <a:rPr b="0" lang="es-ES" sz="1200" spc="-1" strike="noStrike">
+                <a:solidFill>
+                  <a:srgbClr val="000000"/>
+                </a:solidFill>
+                <a:latin typeface="Courier New"/>
+                <a:ea typeface="Monaco"/>
+              </a:rPr>
+              <a:t>,</a:t>
+            </a:r>
+            <a:r>
+              <a:rPr b="0" lang="es-ES" sz="1200" spc="-1" strike="noStrike">
+                <a:solidFill>
+                  <a:srgbClr val="3933ff"/>
+                </a:solidFill>
+                <a:latin typeface="Courier New"/>
+                <a:ea typeface="Monaco"/>
+              </a:rPr>
+              <a:t>"departamentos"</a:t>
+            </a:r>
+            <a:r>
+              <a:rPr b="0" lang="es-ES" sz="1200" spc="-1" strike="noStrike">
+                <a:solidFill>
+                  <a:srgbClr val="000000"/>
+                </a:solidFill>
+                <a:latin typeface="Courier New"/>
+                <a:ea typeface="Monaco"/>
+              </a:rPr>
+              <a:t>,</a:t>
+            </a:r>
+            <a:r>
+              <a:rPr b="0" lang="es-ES" sz="1200" spc="-1" strike="noStrike">
+                <a:solidFill>
+                  <a:srgbClr val="931a68"/>
+                </a:solidFill>
+                <a:latin typeface="Courier New"/>
+                <a:ea typeface="Monaco"/>
+              </a:rPr>
+              <a:t>null</a:t>
+            </a:r>
+            <a:r>
+              <a:rPr b="0" lang="es-ES" sz="1200" spc="-1" strike="noStrike">
+                <a:solidFill>
+                  <a:srgbClr val="000000"/>
+                </a:solidFill>
+                <a:latin typeface="Courier New"/>
+                <a:ea typeface="Monaco"/>
+              </a:rPr>
+              <a:t>);</a:t>
+            </a:r>
+            <a:endParaRPr b="0" lang="es-ES" sz="1200" spc="-1" strike="noStrike">
+              <a:latin typeface="Arial"/>
+            </a:endParaRPr>
+          </a:p>
+          <a:p>
+            <a:pPr>
+              <a:lnSpc>
+                <a:spcPct val="100000"/>
               </a:lnSpc>
               <a:spcBef>
-                <a:spcPts val="601"/>
+                <a:spcPts val="300"/>
               </a:spcBef>
-              <a:buClr>
-                <a:srgbClr val="e48312"/>
-              </a:buClr>
-              <a:buSzPct val="75000"/>
-              <a:buFont typeface="Helvetica Light"/>
-              <a:buChar char="•"/>
-            </a:pPr>
-            <a:r>
-              <a:rPr b="1" lang="es-ES" sz="2000" spc="-1" strike="noStrike">
-                <a:solidFill>
-                  <a:srgbClr val="404040"/>
-                </a:solidFill>
-                <a:latin typeface="Calibri Light"/>
-              </a:rPr>
-              <a:t>isNullable(índice)</a:t>
-            </a:r>
-            <a:endParaRPr b="0" lang="en-US" sz="2000" spc="-1" strike="noStrike">
-              <a:solidFill>
-                <a:srgbClr val="404040"/>
-              </a:solidFill>
-              <a:latin typeface="Calibri"/>
-            </a:endParaRPr>
-          </a:p>
-          <a:p>
-            <a:pPr lvl="1" marL="384120" indent="-182520" algn="just">
-              <a:lnSpc>
-                <a:spcPct val="90000"/>
+              <a:tabLst>
+                <a:tab algn="l" pos="0"/>
+                <a:tab algn="l" pos="104760"/>
+                <a:tab algn="l" pos="554040"/>
+                <a:tab algn="l" pos="1003320"/>
+                <a:tab algn="l" pos="1452600"/>
+                <a:tab algn="l" pos="1901880"/>
+                <a:tab algn="l" pos="2351160"/>
+                <a:tab algn="l" pos="2800440"/>
+                <a:tab algn="l" pos="3249720"/>
+                <a:tab algn="l" pos="3699000"/>
+                <a:tab algn="l" pos="4148280"/>
+                <a:tab algn="l" pos="4597560"/>
+                <a:tab algn="l" pos="5046840"/>
+                <a:tab algn="l" pos="5495760"/>
+                <a:tab algn="l" pos="5945040"/>
+                <a:tab algn="l" pos="6394320"/>
+                <a:tab algn="l" pos="6843600"/>
+                <a:tab algn="l" pos="7292880"/>
+                <a:tab algn="l" pos="7742160"/>
+                <a:tab algn="l" pos="8191440"/>
+                <a:tab algn="l" pos="8640720"/>
+                <a:tab algn="l" pos="8985240"/>
+                <a:tab algn="l" pos="9434520"/>
+                <a:tab algn="l" pos="9883800"/>
+                <a:tab algn="l" pos="10333080"/>
+                <a:tab algn="l" pos="10782360"/>
+                <a:tab algn="l" pos="11231640"/>
+                <a:tab algn="l" pos="11680920"/>
+              </a:tabLst>
+            </a:pPr>
+            <a:r>
+              <a:rPr b="0" lang="es-ES_tradnl" sz="1200" spc="-1" strike="noStrike">
+                <a:solidFill>
+                  <a:srgbClr val="000000"/>
+                </a:solidFill>
+                <a:latin typeface="Courier New"/>
+                <a:ea typeface="Monaco"/>
+              </a:rPr>
+              <a:t>	</a:t>
+            </a:r>
+            <a:r>
+              <a:rPr b="0" lang="es-ES_tradnl" sz="1200" spc="-1" strike="noStrike">
+                <a:solidFill>
+                  <a:srgbClr val="000000"/>
+                </a:solidFill>
+                <a:latin typeface="Courier New"/>
+                <a:ea typeface="Monaco"/>
+              </a:rPr>
+              <a:t>	</a:t>
+            </a:r>
+            <a:r>
+              <a:rPr b="0" lang="es-ES_tradnl" sz="1200" spc="-1" strike="noStrike">
+                <a:solidFill>
+                  <a:srgbClr val="000000"/>
+                </a:solidFill>
+                <a:latin typeface="Courier New"/>
+                <a:ea typeface="Monaco"/>
+              </a:rPr>
+              <a:t> </a:t>
+            </a:r>
+            <a:r>
+              <a:rPr b="0" lang="es-ES_tradnl" sz="1200" spc="-1" strike="noStrike">
+                <a:solidFill>
+                  <a:srgbClr val="000000"/>
+                </a:solidFill>
+                <a:latin typeface="Courier New"/>
+                <a:ea typeface="Monaco"/>
+              </a:rPr>
+              <a:t>while(columnas.next())</a:t>
+            </a:r>
+            <a:endParaRPr b="0" lang="es-ES" sz="1200" spc="-1" strike="noStrike">
+              <a:latin typeface="Arial"/>
+            </a:endParaRPr>
+          </a:p>
+          <a:p>
+            <a:pPr>
+              <a:lnSpc>
+                <a:spcPct val="100000"/>
               </a:lnSpc>
               <a:spcBef>
-                <a:spcPts val="601"/>
+                <a:spcPts val="300"/>
               </a:spcBef>
-              <a:spcAft>
-                <a:spcPts val="1199"/>
-              </a:spcAft>
-              <a:buClr>
-                <a:srgbClr val="e48312"/>
-              </a:buClr>
-              <a:buSzPct val="75000"/>
-              <a:buFont typeface="Helvetica Light"/>
-              <a:buChar char="•"/>
-            </a:pPr>
-            <a:r>
-              <a:rPr b="1" lang="es-ES" sz="2000" spc="-1" strike="noStrike">
-                <a:solidFill>
-                  <a:srgbClr val="404040"/>
-                </a:solidFill>
-                <a:latin typeface="Calibri Light"/>
-              </a:rPr>
-              <a:t>getColumnDisplaySize()</a:t>
-            </a:r>
-            <a:endParaRPr b="0" lang="en-US" sz="2000" spc="-1" strike="noStrike">
-              <a:solidFill>
-                <a:srgbClr val="404040"/>
-              </a:solidFill>
-              <a:latin typeface="Calibri"/>
-            </a:endParaRPr>
-          </a:p>
-          <a:p>
-            <a:pPr marL="91440" indent="-91080" algn="just">
-              <a:lnSpc>
-                <a:spcPct val="90000"/>
+              <a:tabLst>
+                <a:tab algn="l" pos="0"/>
+                <a:tab algn="l" pos="104760"/>
+                <a:tab algn="l" pos="554040"/>
+                <a:tab algn="l" pos="1003320"/>
+                <a:tab algn="l" pos="1452600"/>
+                <a:tab algn="l" pos="1901880"/>
+                <a:tab algn="l" pos="2351160"/>
+                <a:tab algn="l" pos="2800440"/>
+                <a:tab algn="l" pos="3249720"/>
+                <a:tab algn="l" pos="3699000"/>
+                <a:tab algn="l" pos="4148280"/>
+                <a:tab algn="l" pos="4597560"/>
+                <a:tab algn="l" pos="5046840"/>
+                <a:tab algn="l" pos="5495760"/>
+                <a:tab algn="l" pos="5945040"/>
+                <a:tab algn="l" pos="6394320"/>
+                <a:tab algn="l" pos="6843600"/>
+                <a:tab algn="l" pos="7292880"/>
+                <a:tab algn="l" pos="7742160"/>
+                <a:tab algn="l" pos="8191440"/>
+                <a:tab algn="l" pos="8640720"/>
+                <a:tab algn="l" pos="8985240"/>
+                <a:tab algn="l" pos="9434520"/>
+                <a:tab algn="l" pos="9883800"/>
+                <a:tab algn="l" pos="10333080"/>
+                <a:tab algn="l" pos="10782360"/>
+                <a:tab algn="l" pos="11231640"/>
+                <a:tab algn="l" pos="11680920"/>
+              </a:tabLst>
+            </a:pPr>
+            <a:r>
+              <a:rPr b="0" lang="es-ES_tradnl" sz="1200" spc="-1" strike="noStrike">
+                <a:solidFill>
+                  <a:srgbClr val="000000"/>
+                </a:solidFill>
+                <a:latin typeface="Courier New"/>
+                <a:ea typeface="Monaco"/>
+              </a:rPr>
+              <a:t>	</a:t>
+            </a:r>
+            <a:r>
+              <a:rPr b="0" lang="es-ES_tradnl" sz="1200" spc="-1" strike="noStrike">
+                <a:solidFill>
+                  <a:srgbClr val="000000"/>
+                </a:solidFill>
+                <a:latin typeface="Courier New"/>
+                <a:ea typeface="Monaco"/>
+              </a:rPr>
+              <a:t>	</a:t>
+            </a:r>
+            <a:r>
+              <a:rPr b="0" lang="es-ES_tradnl" sz="1200" spc="-1" strike="noStrike">
+                <a:solidFill>
+                  <a:srgbClr val="000000"/>
+                </a:solidFill>
+                <a:latin typeface="Courier New"/>
+                <a:ea typeface="Monaco"/>
+              </a:rPr>
+              <a:t> </a:t>
+            </a:r>
+            <a:r>
+              <a:rPr b="0" lang="es-ES_tradnl" sz="1200" spc="-1" strike="noStrike">
+                <a:solidFill>
+                  <a:srgbClr val="000000"/>
+                </a:solidFill>
+                <a:latin typeface="Courier New"/>
+                <a:ea typeface="Monaco"/>
+              </a:rPr>
+              <a:t>{</a:t>
+            </a:r>
+            <a:endParaRPr b="0" lang="es-ES" sz="1200" spc="-1" strike="noStrike">
+              <a:latin typeface="Arial"/>
+            </a:endParaRPr>
+          </a:p>
+          <a:p>
+            <a:pPr>
+              <a:lnSpc>
+                <a:spcPct val="100000"/>
               </a:lnSpc>
               <a:spcBef>
-                <a:spcPts val="601"/>
+                <a:spcPts val="300"/>
               </a:spcBef>
-              <a:buClr>
-                <a:srgbClr val="e48312"/>
-              </a:buClr>
-              <a:buSzPct val="75000"/>
-              <a:buFont typeface="Helvetica Light"/>
-              <a:buChar char="•"/>
-            </a:pPr>
-            <a:r>
-              <a:rPr b="0" lang="es-ES" sz="2400" spc="-1" strike="noStrike">
-                <a:solidFill>
-                  <a:srgbClr val="404040"/>
-                </a:solidFill>
-                <a:latin typeface="Calibri Light"/>
-              </a:rPr>
-              <a:t>Actividades 9, 10, 11</a:t>
-            </a:r>
-            <a:endParaRPr b="0" lang="en-US" sz="2400" spc="-1" strike="noStrike">
-              <a:solidFill>
-                <a:srgbClr val="404040"/>
-              </a:solidFill>
-              <a:latin typeface="Calibri"/>
-            </a:endParaRPr>
-          </a:p>
-          <a:p>
-            <a:endParaRPr b="0" lang="en-US" sz="2400" spc="-1" strike="noStrike">
-              <a:solidFill>
-                <a:srgbClr val="404040"/>
-              </a:solidFill>
-              <a:latin typeface="Calibri"/>
+              <a:tabLst>
+                <a:tab algn="l" pos="0"/>
+                <a:tab algn="l" pos="104760"/>
+                <a:tab algn="l" pos="554040"/>
+                <a:tab algn="l" pos="1003320"/>
+                <a:tab algn="l" pos="1452600"/>
+                <a:tab algn="l" pos="1901880"/>
+                <a:tab algn="l" pos="2351160"/>
+                <a:tab algn="l" pos="2800440"/>
+                <a:tab algn="l" pos="3249720"/>
+                <a:tab algn="l" pos="3699000"/>
+                <a:tab algn="l" pos="4148280"/>
+                <a:tab algn="l" pos="4597560"/>
+                <a:tab algn="l" pos="5046840"/>
+                <a:tab algn="l" pos="5495760"/>
+                <a:tab algn="l" pos="5945040"/>
+                <a:tab algn="l" pos="6394320"/>
+                <a:tab algn="l" pos="6843600"/>
+                <a:tab algn="l" pos="7292880"/>
+                <a:tab algn="l" pos="7742160"/>
+                <a:tab algn="l" pos="8191440"/>
+                <a:tab algn="l" pos="8640720"/>
+                <a:tab algn="l" pos="8985240"/>
+                <a:tab algn="l" pos="9434520"/>
+                <a:tab algn="l" pos="9883800"/>
+                <a:tab algn="l" pos="10333080"/>
+                <a:tab algn="l" pos="10782360"/>
+                <a:tab algn="l" pos="11231640"/>
+                <a:tab algn="l" pos="11680920"/>
+              </a:tabLst>
+            </a:pPr>
+            <a:r>
+              <a:rPr b="0" lang="es-ES_tradnl" sz="1200" spc="-1" strike="noStrike">
+                <a:solidFill>
+                  <a:srgbClr val="000000"/>
+                </a:solidFill>
+                <a:latin typeface="Courier New"/>
+                <a:ea typeface="Monaco"/>
+              </a:rPr>
+              <a:t>	</a:t>
+            </a:r>
+            <a:r>
+              <a:rPr b="0" lang="es-ES_tradnl" sz="1200" spc="-1" strike="noStrike">
+                <a:solidFill>
+                  <a:srgbClr val="000000"/>
+                </a:solidFill>
+                <a:latin typeface="Courier New"/>
+                <a:ea typeface="Monaco"/>
+              </a:rPr>
+              <a:t>	</a:t>
+            </a:r>
+            <a:r>
+              <a:rPr b="0" lang="es-ES_tradnl" sz="1200" spc="-1" strike="noStrike">
+                <a:solidFill>
+                  <a:srgbClr val="000000"/>
+                </a:solidFill>
+                <a:latin typeface="Courier New"/>
+                <a:ea typeface="Monaco"/>
+              </a:rPr>
+              <a:t>	</a:t>
+            </a:r>
+            <a:r>
+              <a:rPr b="0" lang="es-ES_tradnl" sz="1200" spc="-1" strike="noStrike">
+                <a:solidFill>
+                  <a:srgbClr val="000000"/>
+                </a:solidFill>
+                <a:latin typeface="Courier New"/>
+                <a:ea typeface="Monaco"/>
+              </a:rPr>
+              <a:t>String nombCol=columnas.getString(“COLUMN_NAME”);</a:t>
+            </a:r>
+            <a:endParaRPr b="0" lang="es-ES" sz="1200" spc="-1" strike="noStrike">
+              <a:latin typeface="Arial"/>
+            </a:endParaRPr>
+          </a:p>
+          <a:p>
+            <a:pPr>
+              <a:lnSpc>
+                <a:spcPct val="100000"/>
+              </a:lnSpc>
+              <a:spcBef>
+                <a:spcPts val="300"/>
+              </a:spcBef>
+              <a:tabLst>
+                <a:tab algn="l" pos="0"/>
+                <a:tab algn="l" pos="104760"/>
+                <a:tab algn="l" pos="554040"/>
+                <a:tab algn="l" pos="1003320"/>
+                <a:tab algn="l" pos="1452600"/>
+                <a:tab algn="l" pos="1901880"/>
+                <a:tab algn="l" pos="2351160"/>
+                <a:tab algn="l" pos="2800440"/>
+                <a:tab algn="l" pos="3249720"/>
+                <a:tab algn="l" pos="3699000"/>
+                <a:tab algn="l" pos="4148280"/>
+                <a:tab algn="l" pos="4597560"/>
+                <a:tab algn="l" pos="5046840"/>
+                <a:tab algn="l" pos="5495760"/>
+                <a:tab algn="l" pos="5945040"/>
+                <a:tab algn="l" pos="6394320"/>
+                <a:tab algn="l" pos="6843600"/>
+                <a:tab algn="l" pos="7292880"/>
+                <a:tab algn="l" pos="7742160"/>
+                <a:tab algn="l" pos="8191440"/>
+                <a:tab algn="l" pos="8640720"/>
+                <a:tab algn="l" pos="8985240"/>
+                <a:tab algn="l" pos="9434520"/>
+                <a:tab algn="l" pos="9883800"/>
+                <a:tab algn="l" pos="10333080"/>
+                <a:tab algn="l" pos="10782360"/>
+                <a:tab algn="l" pos="11231640"/>
+                <a:tab algn="l" pos="11680920"/>
+              </a:tabLst>
+            </a:pPr>
+            <a:r>
+              <a:rPr b="0" lang="es-ES_tradnl" sz="1200" spc="-1" strike="noStrike">
+                <a:solidFill>
+                  <a:srgbClr val="000000"/>
+                </a:solidFill>
+                <a:latin typeface="Courier New"/>
+                <a:ea typeface="Monaco"/>
+              </a:rPr>
+              <a:t>	</a:t>
+            </a:r>
+            <a:r>
+              <a:rPr b="0" lang="es-ES_tradnl" sz="1200" spc="-1" strike="noStrike">
+                <a:solidFill>
+                  <a:srgbClr val="000000"/>
+                </a:solidFill>
+                <a:latin typeface="Courier New"/>
+                <a:ea typeface="Monaco"/>
+              </a:rPr>
+              <a:t>	</a:t>
+            </a:r>
+            <a:r>
+              <a:rPr b="0" lang="es-ES_tradnl" sz="1200" spc="-1" strike="noStrike">
+                <a:solidFill>
+                  <a:srgbClr val="000000"/>
+                </a:solidFill>
+                <a:latin typeface="Courier New"/>
+                <a:ea typeface="Monaco"/>
+              </a:rPr>
+              <a:t>	</a:t>
+            </a:r>
+            <a:r>
+              <a:rPr b="0" lang="es-ES_tradnl" sz="1200" spc="-1" strike="noStrike">
+                <a:solidFill>
+                  <a:srgbClr val="000000"/>
+                </a:solidFill>
+                <a:latin typeface="Courier New"/>
+                <a:ea typeface="Monaco"/>
+              </a:rPr>
+              <a:t>String tipoCol=columnas.getString(“TYPE_NAME”);</a:t>
+            </a:r>
+            <a:endParaRPr b="0" lang="es-ES" sz="1200" spc="-1" strike="noStrike">
+              <a:latin typeface="Arial"/>
+            </a:endParaRPr>
+          </a:p>
+          <a:p>
+            <a:pPr>
+              <a:lnSpc>
+                <a:spcPct val="100000"/>
+              </a:lnSpc>
+              <a:spcBef>
+                <a:spcPts val="300"/>
+              </a:spcBef>
+              <a:tabLst>
+                <a:tab algn="l" pos="0"/>
+                <a:tab algn="l" pos="104760"/>
+                <a:tab algn="l" pos="554040"/>
+                <a:tab algn="l" pos="1003320"/>
+                <a:tab algn="l" pos="1452600"/>
+                <a:tab algn="l" pos="1901880"/>
+                <a:tab algn="l" pos="2351160"/>
+                <a:tab algn="l" pos="2800440"/>
+                <a:tab algn="l" pos="3249720"/>
+                <a:tab algn="l" pos="3699000"/>
+                <a:tab algn="l" pos="4148280"/>
+                <a:tab algn="l" pos="4597560"/>
+                <a:tab algn="l" pos="5046840"/>
+                <a:tab algn="l" pos="5495760"/>
+                <a:tab algn="l" pos="5945040"/>
+                <a:tab algn="l" pos="6394320"/>
+                <a:tab algn="l" pos="6843600"/>
+                <a:tab algn="l" pos="7292880"/>
+                <a:tab algn="l" pos="7742160"/>
+                <a:tab algn="l" pos="8191440"/>
+                <a:tab algn="l" pos="8640720"/>
+                <a:tab algn="l" pos="8985240"/>
+                <a:tab algn="l" pos="9434520"/>
+                <a:tab algn="l" pos="9883800"/>
+                <a:tab algn="l" pos="10333080"/>
+                <a:tab algn="l" pos="10782360"/>
+                <a:tab algn="l" pos="11231640"/>
+                <a:tab algn="l" pos="11680920"/>
+              </a:tabLst>
+            </a:pPr>
+            <a:r>
+              <a:rPr b="0" lang="es-ES_tradnl" sz="1200" spc="-1" strike="noStrike">
+                <a:solidFill>
+                  <a:srgbClr val="000000"/>
+                </a:solidFill>
+                <a:latin typeface="Courier New"/>
+                <a:ea typeface="Monaco"/>
+              </a:rPr>
+              <a:t>	</a:t>
+            </a:r>
+            <a:r>
+              <a:rPr b="0" lang="es-ES_tradnl" sz="1200" spc="-1" strike="noStrike">
+                <a:solidFill>
+                  <a:srgbClr val="000000"/>
+                </a:solidFill>
+                <a:latin typeface="Courier New"/>
+                <a:ea typeface="Monaco"/>
+              </a:rPr>
+              <a:t>	</a:t>
+            </a:r>
+            <a:r>
+              <a:rPr b="0" lang="es-ES_tradnl" sz="1200" spc="-1" strike="noStrike">
+                <a:solidFill>
+                  <a:srgbClr val="000000"/>
+                </a:solidFill>
+                <a:latin typeface="Courier New"/>
+                <a:ea typeface="Monaco"/>
+              </a:rPr>
+              <a:t>	</a:t>
+            </a:r>
+            <a:r>
+              <a:rPr b="0" lang="es-ES_tradnl" sz="1200" spc="-1" strike="noStrike">
+                <a:solidFill>
+                  <a:srgbClr val="000000"/>
+                </a:solidFill>
+                <a:latin typeface="Courier New"/>
+                <a:ea typeface="Monaco"/>
+              </a:rPr>
+              <a:t>String tamCol=columnas.getString(“COLUMN_SIZE”);</a:t>
+            </a:r>
+            <a:endParaRPr b="0" lang="es-ES" sz="1200" spc="-1" strike="noStrike">
+              <a:latin typeface="Arial"/>
+            </a:endParaRPr>
+          </a:p>
+          <a:p>
+            <a:pPr>
+              <a:lnSpc>
+                <a:spcPct val="100000"/>
+              </a:lnSpc>
+              <a:spcBef>
+                <a:spcPts val="300"/>
+              </a:spcBef>
+              <a:tabLst>
+                <a:tab algn="l" pos="0"/>
+                <a:tab algn="l" pos="104760"/>
+                <a:tab algn="l" pos="554040"/>
+                <a:tab algn="l" pos="1003320"/>
+                <a:tab algn="l" pos="1452600"/>
+                <a:tab algn="l" pos="1901880"/>
+                <a:tab algn="l" pos="2351160"/>
+                <a:tab algn="l" pos="2800440"/>
+                <a:tab algn="l" pos="3249720"/>
+                <a:tab algn="l" pos="3699000"/>
+                <a:tab algn="l" pos="4148280"/>
+                <a:tab algn="l" pos="4597560"/>
+                <a:tab algn="l" pos="5046840"/>
+                <a:tab algn="l" pos="5495760"/>
+                <a:tab algn="l" pos="5945040"/>
+                <a:tab algn="l" pos="6394320"/>
+                <a:tab algn="l" pos="6843600"/>
+                <a:tab algn="l" pos="7292880"/>
+                <a:tab algn="l" pos="7742160"/>
+                <a:tab algn="l" pos="8191440"/>
+                <a:tab algn="l" pos="8640720"/>
+                <a:tab algn="l" pos="8985240"/>
+                <a:tab algn="l" pos="9434520"/>
+                <a:tab algn="l" pos="9883800"/>
+                <a:tab algn="l" pos="10333080"/>
+                <a:tab algn="l" pos="10782360"/>
+                <a:tab algn="l" pos="11231640"/>
+                <a:tab algn="l" pos="11680920"/>
+              </a:tabLst>
+            </a:pPr>
+            <a:r>
+              <a:rPr b="0" lang="es-ES_tradnl" sz="1200" spc="-1" strike="noStrike">
+                <a:solidFill>
+                  <a:srgbClr val="000000"/>
+                </a:solidFill>
+                <a:latin typeface="Courier New"/>
+                <a:ea typeface="Monaco"/>
+              </a:rPr>
+              <a:t>	</a:t>
+            </a:r>
+            <a:r>
+              <a:rPr b="0" lang="es-ES_tradnl" sz="1200" spc="-1" strike="noStrike">
+                <a:solidFill>
+                  <a:srgbClr val="000000"/>
+                </a:solidFill>
+                <a:latin typeface="Courier New"/>
+                <a:ea typeface="Monaco"/>
+              </a:rPr>
+              <a:t>	</a:t>
+            </a:r>
+            <a:r>
+              <a:rPr b="0" lang="es-ES_tradnl" sz="1200" spc="-1" strike="noStrike">
+                <a:solidFill>
+                  <a:srgbClr val="000000"/>
+                </a:solidFill>
+                <a:latin typeface="Courier New"/>
+                <a:ea typeface="Monaco"/>
+              </a:rPr>
+              <a:t>	</a:t>
+            </a:r>
+            <a:r>
+              <a:rPr b="0" lang="es-ES_tradnl" sz="1200" spc="-1" strike="noStrike">
+                <a:solidFill>
+                  <a:srgbClr val="000000"/>
+                </a:solidFill>
+                <a:latin typeface="Courier New"/>
+                <a:ea typeface="Monaco"/>
+              </a:rPr>
+              <a:t>String nula=columnas.getString(“IS_NULLABLE”);</a:t>
+            </a:r>
+            <a:endParaRPr b="0" lang="es-ES" sz="1200" spc="-1" strike="noStrike">
+              <a:latin typeface="Arial"/>
+            </a:endParaRPr>
+          </a:p>
+          <a:p>
+            <a:pPr>
+              <a:lnSpc>
+                <a:spcPct val="100000"/>
+              </a:lnSpc>
+              <a:spcBef>
+                <a:spcPts val="300"/>
+              </a:spcBef>
+              <a:tabLst>
+                <a:tab algn="l" pos="0"/>
+                <a:tab algn="l" pos="104760"/>
+                <a:tab algn="l" pos="554040"/>
+                <a:tab algn="l" pos="1003320"/>
+                <a:tab algn="l" pos="1452600"/>
+                <a:tab algn="l" pos="1901880"/>
+                <a:tab algn="l" pos="2351160"/>
+                <a:tab algn="l" pos="2800440"/>
+                <a:tab algn="l" pos="3249720"/>
+                <a:tab algn="l" pos="3699000"/>
+                <a:tab algn="l" pos="4148280"/>
+                <a:tab algn="l" pos="4597560"/>
+                <a:tab algn="l" pos="5046840"/>
+                <a:tab algn="l" pos="5495760"/>
+                <a:tab algn="l" pos="5945040"/>
+                <a:tab algn="l" pos="6394320"/>
+                <a:tab algn="l" pos="6843600"/>
+                <a:tab algn="l" pos="7292880"/>
+                <a:tab algn="l" pos="7742160"/>
+                <a:tab algn="l" pos="8191440"/>
+                <a:tab algn="l" pos="8640720"/>
+                <a:tab algn="l" pos="8985240"/>
+                <a:tab algn="l" pos="9434520"/>
+                <a:tab algn="l" pos="9883800"/>
+                <a:tab algn="l" pos="10333080"/>
+                <a:tab algn="l" pos="10782360"/>
+                <a:tab algn="l" pos="11231640"/>
+                <a:tab algn="l" pos="11680920"/>
+              </a:tabLst>
+            </a:pPr>
+            <a:r>
+              <a:rPr b="0" lang="es-ES_tradnl" sz="1200" spc="-1" strike="noStrike">
+                <a:solidFill>
+                  <a:srgbClr val="000000"/>
+                </a:solidFill>
+                <a:latin typeface="Courier New"/>
+                <a:ea typeface="Monaco"/>
+              </a:rPr>
+              <a:t>	</a:t>
+            </a:r>
+            <a:r>
+              <a:rPr b="0" lang="es-ES_tradnl" sz="1200" spc="-1" strike="noStrike">
+                <a:solidFill>
+                  <a:srgbClr val="000000"/>
+                </a:solidFill>
+                <a:latin typeface="Courier New"/>
+                <a:ea typeface="Monaco"/>
+              </a:rPr>
+              <a:t>	</a:t>
+            </a:r>
+            <a:r>
+              <a:rPr b="0" lang="es-ES_tradnl" sz="1200" spc="-1" strike="noStrike">
+                <a:solidFill>
+                  <a:srgbClr val="000000"/>
+                </a:solidFill>
+                <a:latin typeface="Courier New"/>
+                <a:ea typeface="Monaco"/>
+              </a:rPr>
+              <a:t>	</a:t>
+            </a:r>
+            <a:r>
+              <a:rPr b="0" lang="es-ES" sz="1200" spc="-1" strike="noStrike">
+                <a:solidFill>
+                  <a:srgbClr val="000000"/>
+                </a:solidFill>
+                <a:latin typeface="Courier New"/>
+                <a:ea typeface="Monaco"/>
+              </a:rPr>
+              <a:t>System.out.println(“Columna:%s, Tipo:%s, Tamaño: %s, ¿Puede ser nula?%s %n”, nombCol, tipoCol, </a:t>
+            </a:r>
+            <a:r>
+              <a:rPr b="0" lang="es-ES" sz="1200" spc="-1" strike="noStrike">
+                <a:solidFill>
+                  <a:srgbClr val="000000"/>
+                </a:solidFill>
+                <a:latin typeface="Courier New"/>
+                <a:ea typeface="Monaco"/>
+              </a:rPr>
+              <a:t>	</a:t>
+            </a:r>
+            <a:r>
+              <a:rPr b="0" lang="es-ES" sz="1200" spc="-1" strike="noStrike">
+                <a:solidFill>
+                  <a:srgbClr val="000000"/>
+                </a:solidFill>
+                <a:latin typeface="Courier New"/>
+                <a:ea typeface="Monaco"/>
+              </a:rPr>
+              <a:t>	</a:t>
+            </a:r>
+            <a:r>
+              <a:rPr b="0" lang="es-ES" sz="1200" spc="-1" strike="noStrike">
+                <a:solidFill>
+                  <a:srgbClr val="000000"/>
+                </a:solidFill>
+                <a:latin typeface="Courier New"/>
+                <a:ea typeface="Monaco"/>
+              </a:rPr>
+              <a:t>	</a:t>
+            </a:r>
+            <a:r>
+              <a:rPr b="0" lang="es-ES" sz="1200" spc="-1" strike="noStrike">
+                <a:solidFill>
+                  <a:srgbClr val="000000"/>
+                </a:solidFill>
+                <a:latin typeface="Courier New"/>
+                <a:ea typeface="Monaco"/>
+              </a:rPr>
+              <a:t>tamCol, nula);</a:t>
+            </a:r>
+            <a:endParaRPr b="0" lang="es-ES" sz="1200" spc="-1" strike="noStrike">
+              <a:latin typeface="Arial"/>
+            </a:endParaRPr>
+          </a:p>
+          <a:p>
+            <a:pPr>
+              <a:lnSpc>
+                <a:spcPct val="100000"/>
+              </a:lnSpc>
+              <a:spcBef>
+                <a:spcPts val="300"/>
+              </a:spcBef>
+              <a:tabLst>
+                <a:tab algn="l" pos="0"/>
+                <a:tab algn="l" pos="104760"/>
+                <a:tab algn="l" pos="554040"/>
+                <a:tab algn="l" pos="1003320"/>
+                <a:tab algn="l" pos="1452600"/>
+                <a:tab algn="l" pos="1901880"/>
+                <a:tab algn="l" pos="2351160"/>
+                <a:tab algn="l" pos="2800440"/>
+                <a:tab algn="l" pos="3249720"/>
+                <a:tab algn="l" pos="3699000"/>
+                <a:tab algn="l" pos="4148280"/>
+                <a:tab algn="l" pos="4597560"/>
+                <a:tab algn="l" pos="5046840"/>
+                <a:tab algn="l" pos="5495760"/>
+                <a:tab algn="l" pos="5945040"/>
+                <a:tab algn="l" pos="6394320"/>
+                <a:tab algn="l" pos="6843600"/>
+                <a:tab algn="l" pos="7292880"/>
+                <a:tab algn="l" pos="7742160"/>
+                <a:tab algn="l" pos="8191440"/>
+                <a:tab algn="l" pos="8640720"/>
+                <a:tab algn="l" pos="8985240"/>
+                <a:tab algn="l" pos="9434520"/>
+                <a:tab algn="l" pos="9883800"/>
+                <a:tab algn="l" pos="10333080"/>
+                <a:tab algn="l" pos="10782360"/>
+                <a:tab algn="l" pos="11231640"/>
+                <a:tab algn="l" pos="11680920"/>
+              </a:tabLst>
+            </a:pPr>
+            <a:r>
+              <a:rPr b="0" lang="es-ES_tradnl" sz="1200" spc="-1" strike="noStrike">
+                <a:solidFill>
+                  <a:srgbClr val="000000"/>
+                </a:solidFill>
+                <a:latin typeface="Courier New"/>
+                <a:ea typeface="Monaco"/>
+              </a:rPr>
+              <a:t>	</a:t>
+            </a:r>
+            <a:r>
+              <a:rPr b="0" lang="es-ES_tradnl" sz="1200" spc="-1" strike="noStrike">
+                <a:solidFill>
+                  <a:srgbClr val="000000"/>
+                </a:solidFill>
+                <a:latin typeface="Courier New"/>
+                <a:ea typeface="Monaco"/>
+              </a:rPr>
+              <a:t>	</a:t>
+            </a:r>
+            <a:r>
+              <a:rPr b="0" lang="es-ES_tradnl" sz="1200" spc="-1" strike="noStrike">
+                <a:solidFill>
+                  <a:srgbClr val="000000"/>
+                </a:solidFill>
+                <a:latin typeface="Courier New"/>
+                <a:ea typeface="Monaco"/>
+              </a:rPr>
+              <a:t> </a:t>
+            </a:r>
+            <a:r>
+              <a:rPr b="0" lang="es-ES_tradnl" sz="1200" spc="-1" strike="noStrike">
+                <a:solidFill>
+                  <a:srgbClr val="000000"/>
+                </a:solidFill>
+                <a:latin typeface="Courier New"/>
+                <a:ea typeface="Monaco"/>
+              </a:rPr>
+              <a:t>}</a:t>
+            </a:r>
+            <a:r>
+              <a:rPr b="0" lang="es-ES" sz="1200" spc="-1" strike="noStrike">
+                <a:solidFill>
+                  <a:srgbClr val="000000"/>
+                </a:solidFill>
+                <a:latin typeface="Courier New"/>
+                <a:ea typeface="Monaco"/>
+              </a:rPr>
+              <a:t>	</a:t>
+            </a:r>
+            <a:r>
+              <a:rPr b="0" lang="es-ES" sz="1200" spc="-1" strike="noStrike">
+                <a:solidFill>
+                  <a:srgbClr val="000000"/>
+                </a:solidFill>
+                <a:latin typeface="Courier New"/>
+                <a:ea typeface="Monaco"/>
+              </a:rPr>
+              <a:t>	</a:t>
+            </a:r>
+            <a:r>
+              <a:rPr b="0" lang="es-ES" sz="1200" spc="-1" strike="noStrike">
+                <a:solidFill>
+                  <a:srgbClr val="000000"/>
+                </a:solidFill>
+                <a:latin typeface="Courier New"/>
+                <a:ea typeface="Monaco"/>
+              </a:rPr>
+              <a:t> </a:t>
+            </a:r>
+            <a:r>
+              <a:rPr b="0" lang="es-ES" sz="1200" spc="-1" strike="noStrike">
+                <a:solidFill>
+                  <a:srgbClr val="000000"/>
+                </a:solidFill>
+                <a:latin typeface="Courier New"/>
+                <a:ea typeface="Monaco"/>
+              </a:rPr>
+              <a:t>	</a:t>
+            </a:r>
+            <a:r>
+              <a:rPr b="0" lang="es-ES" sz="1200" spc="-1" strike="noStrike">
+                <a:solidFill>
+                  <a:srgbClr val="000000"/>
+                </a:solidFill>
+                <a:latin typeface="Courier New"/>
+                <a:ea typeface="Monaco"/>
+              </a:rPr>
+              <a:t>	</a:t>
+            </a:r>
+            <a:r>
+              <a:rPr b="0" lang="es-ES" sz="1200" spc="-1" strike="noStrike">
+                <a:solidFill>
+                  <a:srgbClr val="000000"/>
+                </a:solidFill>
+                <a:latin typeface="Courier New"/>
+                <a:ea typeface="Monaco"/>
+              </a:rPr>
+              <a:t>  </a:t>
+            </a:r>
+            <a:r>
+              <a:rPr b="0" lang="es-ES" sz="1200" spc="-1" strike="noStrike">
+                <a:solidFill>
+                  <a:srgbClr val="000000"/>
+                </a:solidFill>
+                <a:latin typeface="Courier New"/>
+                <a:ea typeface="Monaco"/>
+              </a:rPr>
+              <a:t>	</a:t>
+            </a:r>
+            <a:r>
+              <a:rPr b="0" lang="es-ES" sz="1200" spc="-1" strike="noStrike">
+                <a:solidFill>
+                  <a:srgbClr val="000000"/>
+                </a:solidFill>
+                <a:latin typeface="Courier New"/>
+                <a:ea typeface="Monaco"/>
+              </a:rPr>
+              <a:t>   </a:t>
+            </a:r>
+            <a:endParaRPr b="0" lang="es-ES" sz="1200" spc="-1" strike="noStrike">
+              <a:latin typeface="Arial"/>
+            </a:endParaRPr>
+          </a:p>
+          <a:p>
+            <a:pPr>
+              <a:lnSpc>
+                <a:spcPct val="100000"/>
+              </a:lnSpc>
+              <a:spcBef>
+                <a:spcPts val="300"/>
+              </a:spcBef>
+              <a:tabLst>
+                <a:tab algn="l" pos="0"/>
+                <a:tab algn="l" pos="104760"/>
+                <a:tab algn="l" pos="554040"/>
+                <a:tab algn="l" pos="1003320"/>
+                <a:tab algn="l" pos="1452600"/>
+                <a:tab algn="l" pos="1901880"/>
+                <a:tab algn="l" pos="2351160"/>
+                <a:tab algn="l" pos="2800440"/>
+                <a:tab algn="l" pos="3249720"/>
+                <a:tab algn="l" pos="3699000"/>
+                <a:tab algn="l" pos="4148280"/>
+                <a:tab algn="l" pos="4597560"/>
+                <a:tab algn="l" pos="5046840"/>
+                <a:tab algn="l" pos="5495760"/>
+                <a:tab algn="l" pos="5945040"/>
+                <a:tab algn="l" pos="6394320"/>
+                <a:tab algn="l" pos="6843600"/>
+                <a:tab algn="l" pos="7292880"/>
+                <a:tab algn="l" pos="7742160"/>
+                <a:tab algn="l" pos="8191440"/>
+                <a:tab algn="l" pos="8640720"/>
+                <a:tab algn="l" pos="8985240"/>
+                <a:tab algn="l" pos="9434520"/>
+                <a:tab algn="l" pos="9883800"/>
+                <a:tab algn="l" pos="10333080"/>
+                <a:tab algn="l" pos="10782360"/>
+                <a:tab algn="l" pos="11231640"/>
+                <a:tab algn="l" pos="11680920"/>
+              </a:tabLst>
+            </a:pPr>
+            <a:endParaRPr b="0" lang="es-ES" sz="1200" spc="-1" strike="noStrike">
+              <a:latin typeface="Arial"/>
             </a:endParaRPr>
           </a:p>
         </p:txBody>
@@ -34413,6 +35252,587 @@
         </p:nvSpPr>
         <p:spPr>
           <a:xfrm>
+            <a:off x="1097280" y="1845720"/>
+            <a:ext cx="10058040" cy="4393440"/>
+          </a:xfrm>
+          <a:prstGeom prst="rect">
+            <a:avLst/>
+          </a:prstGeom>
+          <a:noFill/>
+          <a:ln w="0">
+            <a:noFill/>
+          </a:ln>
+        </p:spPr>
+        <p:txBody>
+          <a:bodyPr lIns="0" rIns="0">
+            <a:normAutofit fontScale="91000"/>
+          </a:bodyPr>
+          <a:p>
+            <a:pPr marL="91440" indent="-91080" algn="just">
+              <a:lnSpc>
+                <a:spcPct val="90000"/>
+              </a:lnSpc>
+              <a:spcBef>
+                <a:spcPts val="2401"/>
+              </a:spcBef>
+              <a:spcAft>
+                <a:spcPts val="201"/>
+              </a:spcAft>
+              <a:buClr>
+                <a:srgbClr val="e48312"/>
+              </a:buClr>
+              <a:buSzPct val="75000"/>
+              <a:buFont typeface="Helvetica Light"/>
+              <a:buChar char="•"/>
+            </a:pPr>
+            <a:r>
+              <a:rPr b="1" lang="es-ES" sz="2000" spc="-1" strike="noStrike">
+                <a:solidFill>
+                  <a:srgbClr val="404040"/>
+                </a:solidFill>
+                <a:latin typeface="Calibri Light"/>
+              </a:rPr>
+              <a:t>Actividad 9. </a:t>
+            </a:r>
+            <a:r>
+              <a:rPr b="0" lang="es-ES" sz="2000" spc="-1" strike="noStrike">
+                <a:solidFill>
+                  <a:srgbClr val="404040"/>
+                </a:solidFill>
+                <a:latin typeface="Calibri Light"/>
+              </a:rPr>
+              <a:t>Visualiza información sobre las columnas de la tabla empleados</a:t>
+            </a:r>
+            <a:endParaRPr b="0" lang="en-US" sz="2000" spc="-1" strike="noStrike">
+              <a:solidFill>
+                <a:srgbClr val="404040"/>
+              </a:solidFill>
+              <a:latin typeface="Calibri"/>
+            </a:endParaRPr>
+          </a:p>
+          <a:p>
+            <a:pPr algn="ctr">
+              <a:lnSpc>
+                <a:spcPct val="90000"/>
+              </a:lnSpc>
+              <a:spcBef>
+                <a:spcPts val="901"/>
+              </a:spcBef>
+              <a:spcAft>
+                <a:spcPts val="201"/>
+              </a:spcAft>
+              <a:tabLst>
+                <a:tab algn="l" pos="0"/>
+              </a:tabLst>
+            </a:pPr>
+            <a:r>
+              <a:rPr b="0" lang="es-ES" sz="1600" spc="-1" strike="noStrike">
+                <a:solidFill>
+                  <a:srgbClr val="000000"/>
+                </a:solidFill>
+                <a:latin typeface="Courier New"/>
+                <a:ea typeface="Monaco"/>
+              </a:rPr>
+              <a:t>columnas =  dbmd.getColumns(</a:t>
+            </a:r>
+            <a:r>
+              <a:rPr b="0" lang="es-ES" sz="1600" spc="-1" strike="noStrike">
+                <a:solidFill>
+                  <a:srgbClr val="931a68"/>
+                </a:solidFill>
+                <a:latin typeface="Courier New"/>
+                <a:ea typeface="Monaco"/>
+              </a:rPr>
+              <a:t>null</a:t>
+            </a:r>
+            <a:r>
+              <a:rPr b="0" lang="es-ES" sz="1600" spc="-1" strike="noStrike">
+                <a:solidFill>
+                  <a:srgbClr val="000000"/>
+                </a:solidFill>
+                <a:latin typeface="Courier New"/>
+                <a:ea typeface="Monaco"/>
+              </a:rPr>
+              <a:t>,</a:t>
+            </a:r>
+            <a:r>
+              <a:rPr b="0" lang="es-ES" sz="1600" spc="-1" strike="noStrike">
+                <a:solidFill>
+                  <a:srgbClr val="3933ff"/>
+                </a:solidFill>
+                <a:latin typeface="Courier New"/>
+                <a:ea typeface="Monaco"/>
+              </a:rPr>
+              <a:t>"ejemplo"</a:t>
+            </a:r>
+            <a:r>
+              <a:rPr b="0" lang="es-ES" sz="1600" spc="-1" strike="noStrike">
+                <a:solidFill>
+                  <a:srgbClr val="000000"/>
+                </a:solidFill>
+                <a:latin typeface="Courier New"/>
+                <a:ea typeface="Monaco"/>
+              </a:rPr>
+              <a:t>,</a:t>
+            </a:r>
+            <a:r>
+              <a:rPr b="0" lang="es-ES" sz="1600" spc="-1" strike="noStrike">
+                <a:solidFill>
+                  <a:srgbClr val="3933ff"/>
+                </a:solidFill>
+                <a:latin typeface="Courier New"/>
+                <a:ea typeface="Monaco"/>
+              </a:rPr>
+              <a:t>"departamentos"</a:t>
+            </a:r>
+            <a:r>
+              <a:rPr b="0" lang="es-ES" sz="1600" spc="-1" strike="noStrike">
+                <a:solidFill>
+                  <a:srgbClr val="000000"/>
+                </a:solidFill>
+                <a:latin typeface="Courier New"/>
+                <a:ea typeface="Monaco"/>
+              </a:rPr>
+              <a:t>,</a:t>
+            </a:r>
+            <a:r>
+              <a:rPr b="0" lang="es-ES" sz="1600" spc="-1" strike="noStrike">
+                <a:solidFill>
+                  <a:srgbClr val="931a68"/>
+                </a:solidFill>
+                <a:latin typeface="Courier New"/>
+                <a:ea typeface="Monaco"/>
+              </a:rPr>
+              <a:t>null</a:t>
+            </a:r>
+            <a:r>
+              <a:rPr b="0" lang="es-ES" sz="1600" spc="-1" strike="noStrike">
+                <a:solidFill>
+                  <a:srgbClr val="000000"/>
+                </a:solidFill>
+                <a:latin typeface="Courier New"/>
+                <a:ea typeface="Monaco"/>
+              </a:rPr>
+              <a:t>);</a:t>
+            </a:r>
+            <a:endParaRPr b="0" lang="en-US" sz="1600" spc="-1" strike="noStrike">
+              <a:solidFill>
+                <a:srgbClr val="404040"/>
+              </a:solidFill>
+              <a:latin typeface="Calibri"/>
+            </a:endParaRPr>
+          </a:p>
+          <a:p>
+            <a:pPr marL="91440" indent="-91080" algn="just">
+              <a:lnSpc>
+                <a:spcPct val="90000"/>
+              </a:lnSpc>
+              <a:spcBef>
+                <a:spcPts val="2401"/>
+              </a:spcBef>
+              <a:spcAft>
+                <a:spcPts val="201"/>
+              </a:spcAft>
+              <a:buClr>
+                <a:srgbClr val="e48312"/>
+              </a:buClr>
+              <a:buSzPct val="75000"/>
+              <a:buFont typeface="Helvetica Light"/>
+              <a:buChar char="•"/>
+              <a:tabLst>
+                <a:tab algn="l" pos="0"/>
+              </a:tabLst>
+            </a:pPr>
+            <a:r>
+              <a:rPr b="1" lang="es-ES" sz="2000" spc="-1" strike="noStrike">
+                <a:solidFill>
+                  <a:srgbClr val="404040"/>
+                </a:solidFill>
+                <a:latin typeface="Calibri Light"/>
+                <a:ea typeface="Monaco"/>
+              </a:rPr>
+              <a:t>Actividad 10. </a:t>
+            </a:r>
+            <a:r>
+              <a:rPr b="0" lang="es-ES" sz="2000" spc="-1" strike="noStrike">
+                <a:solidFill>
+                  <a:srgbClr val="404040"/>
+                </a:solidFill>
+                <a:latin typeface="Calibri Light"/>
+                <a:ea typeface="Monaco"/>
+              </a:rPr>
+              <a:t>Crea un programa Java que inserte un empleado en la tabla empleados, el programa recibe desde la línea de argumentos de main() los valores a insertar. Los argumentos que recibe son los siguientes: EMP_NO, APELLIDO, OFICIO, DIR, SALARIO, COMISIÓN, DET_NO. Antes de insertar se deben realizar las siguientes comprobaciones:</a:t>
+            </a:r>
+            <a:endParaRPr b="0" lang="en-US" sz="2000" spc="-1" strike="noStrike">
+              <a:solidFill>
+                <a:srgbClr val="404040"/>
+              </a:solidFill>
+              <a:latin typeface="Calibri"/>
+            </a:endParaRPr>
+          </a:p>
+          <a:p>
+            <a:pPr lvl="1" marL="384120" indent="-182520" algn="just">
+              <a:lnSpc>
+                <a:spcPct val="90000"/>
+              </a:lnSpc>
+              <a:spcBef>
+                <a:spcPts val="601"/>
+              </a:spcBef>
+              <a:spcAft>
+                <a:spcPts val="400"/>
+              </a:spcAft>
+              <a:buClr>
+                <a:srgbClr val="e48312"/>
+              </a:buClr>
+              <a:buSzPct val="75000"/>
+              <a:buFont typeface="Helvetica Light"/>
+              <a:buChar char="•"/>
+              <a:tabLst>
+                <a:tab algn="l" pos="0"/>
+              </a:tabLst>
+            </a:pPr>
+            <a:r>
+              <a:rPr b="0" lang="es-ES_tradnl" sz="1800" spc="-1" strike="noStrike">
+                <a:solidFill>
+                  <a:srgbClr val="404040"/>
+                </a:solidFill>
+                <a:latin typeface="Calibri Light"/>
+                <a:ea typeface="Monaco"/>
+              </a:rPr>
+              <a:t>Que el departamento exista en la tabla departamentos, si no existe no se inserta.</a:t>
+            </a:r>
+            <a:endParaRPr b="0" lang="en-US" sz="1800" spc="-1" strike="noStrike">
+              <a:solidFill>
+                <a:srgbClr val="404040"/>
+              </a:solidFill>
+              <a:latin typeface="Calibri"/>
+            </a:endParaRPr>
+          </a:p>
+          <a:p>
+            <a:pPr lvl="1" marL="384120" indent="-182520" algn="just">
+              <a:lnSpc>
+                <a:spcPct val="90000"/>
+              </a:lnSpc>
+              <a:spcBef>
+                <a:spcPts val="601"/>
+              </a:spcBef>
+              <a:spcAft>
+                <a:spcPts val="400"/>
+              </a:spcAft>
+              <a:buClr>
+                <a:srgbClr val="e48312"/>
+              </a:buClr>
+              <a:buSzPct val="75000"/>
+              <a:buFont typeface="Helvetica Light"/>
+              <a:buChar char="•"/>
+              <a:tabLst>
+                <a:tab algn="l" pos="0"/>
+              </a:tabLst>
+            </a:pPr>
+            <a:r>
+              <a:rPr b="0" lang="es-ES_tradnl" sz="1800" spc="-1" strike="noStrike">
+                <a:solidFill>
+                  <a:srgbClr val="404040"/>
+                </a:solidFill>
+                <a:latin typeface="Calibri Light"/>
+                <a:ea typeface="Monaco"/>
+              </a:rPr>
+              <a:t>Que el número del empleado no exista, si existe no se inserta</a:t>
+            </a:r>
+            <a:endParaRPr b="0" lang="en-US" sz="1800" spc="-1" strike="noStrike">
+              <a:solidFill>
+                <a:srgbClr val="404040"/>
+              </a:solidFill>
+              <a:latin typeface="Calibri"/>
+            </a:endParaRPr>
+          </a:p>
+          <a:p>
+            <a:pPr lvl="1" marL="384120" indent="-182520" algn="just">
+              <a:lnSpc>
+                <a:spcPct val="90000"/>
+              </a:lnSpc>
+              <a:spcBef>
+                <a:spcPts val="601"/>
+              </a:spcBef>
+              <a:spcAft>
+                <a:spcPts val="400"/>
+              </a:spcAft>
+              <a:buClr>
+                <a:srgbClr val="e48312"/>
+              </a:buClr>
+              <a:buSzPct val="75000"/>
+              <a:buFont typeface="Helvetica Light"/>
+              <a:buChar char="•"/>
+              <a:tabLst>
+                <a:tab algn="l" pos="0"/>
+              </a:tabLst>
+            </a:pPr>
+            <a:r>
+              <a:rPr b="0" lang="es-ES_tradnl" sz="1800" spc="-1" strike="noStrike">
+                <a:solidFill>
+                  <a:srgbClr val="404040"/>
+                </a:solidFill>
+                <a:latin typeface="Calibri Light"/>
+                <a:ea typeface="Monaco"/>
+              </a:rPr>
+              <a:t>Que el salario sea &gt; que 0, si es &lt;=0, no se inserta</a:t>
+            </a:r>
+            <a:endParaRPr b="0" lang="en-US" sz="1800" spc="-1" strike="noStrike">
+              <a:solidFill>
+                <a:srgbClr val="404040"/>
+              </a:solidFill>
+              <a:latin typeface="Calibri"/>
+            </a:endParaRPr>
+          </a:p>
+          <a:p>
+            <a:pPr lvl="1" marL="384120" indent="-182520" algn="just">
+              <a:lnSpc>
+                <a:spcPct val="90000"/>
+              </a:lnSpc>
+              <a:spcBef>
+                <a:spcPts val="601"/>
+              </a:spcBef>
+              <a:spcAft>
+                <a:spcPts val="400"/>
+              </a:spcAft>
+              <a:buClr>
+                <a:srgbClr val="e48312"/>
+              </a:buClr>
+              <a:buSzPct val="75000"/>
+              <a:buFont typeface="Helvetica Light"/>
+              <a:buChar char="•"/>
+              <a:tabLst>
+                <a:tab algn="l" pos="0"/>
+              </a:tabLst>
+            </a:pPr>
+            <a:r>
+              <a:rPr b="0" lang="es-ES_tradnl" sz="1800" spc="-1" strike="noStrike">
+                <a:solidFill>
+                  <a:srgbClr val="404040"/>
+                </a:solidFill>
+                <a:latin typeface="Calibri Light"/>
+                <a:ea typeface="Monaco"/>
+              </a:rPr>
+              <a:t>Que el director (DIR, es el número de empleado de su director) exista en la tabla empleados, si no existe no se inserta.</a:t>
+            </a:r>
+            <a:endParaRPr b="0" lang="en-US" sz="1800" spc="-1" strike="noStrike">
+              <a:solidFill>
+                <a:srgbClr val="404040"/>
+              </a:solidFill>
+              <a:latin typeface="Calibri"/>
+            </a:endParaRPr>
+          </a:p>
+          <a:p>
+            <a:pPr lvl="1" marL="384120" indent="-182520" algn="just">
+              <a:lnSpc>
+                <a:spcPct val="90000"/>
+              </a:lnSpc>
+              <a:spcBef>
+                <a:spcPts val="601"/>
+              </a:spcBef>
+              <a:spcAft>
+                <a:spcPts val="400"/>
+              </a:spcAft>
+              <a:buClr>
+                <a:srgbClr val="e48312"/>
+              </a:buClr>
+              <a:buSzPct val="75000"/>
+              <a:buFont typeface="Helvetica Light"/>
+              <a:buChar char="•"/>
+              <a:tabLst>
+                <a:tab algn="l" pos="0"/>
+              </a:tabLst>
+            </a:pPr>
+            <a:r>
+              <a:rPr b="0" lang="es-ES_tradnl" sz="1800" spc="-1" strike="noStrike">
+                <a:solidFill>
+                  <a:srgbClr val="404040"/>
+                </a:solidFill>
+                <a:latin typeface="Calibri Light"/>
+                <a:ea typeface="Monaco"/>
+              </a:rPr>
+              <a:t>El APELLIDO y el OFICIO no pueden ser nulos</a:t>
+            </a:r>
+            <a:endParaRPr b="0" lang="en-US" sz="1800" spc="-1" strike="noStrike">
+              <a:solidFill>
+                <a:srgbClr val="404040"/>
+              </a:solidFill>
+              <a:latin typeface="Calibri"/>
+            </a:endParaRPr>
+          </a:p>
+          <a:p>
+            <a:pPr lvl="1" marL="384120" indent="-182520" algn="just">
+              <a:lnSpc>
+                <a:spcPct val="90000"/>
+              </a:lnSpc>
+              <a:spcBef>
+                <a:spcPts val="601"/>
+              </a:spcBef>
+              <a:spcAft>
+                <a:spcPts val="400"/>
+              </a:spcAft>
+              <a:buClr>
+                <a:srgbClr val="e48312"/>
+              </a:buClr>
+              <a:buSzPct val="75000"/>
+              <a:buFont typeface="Helvetica Light"/>
+              <a:buChar char="•"/>
+              <a:tabLst>
+                <a:tab algn="l" pos="0"/>
+              </a:tabLst>
+            </a:pPr>
+            <a:r>
+              <a:rPr b="0" lang="es-ES_tradnl" sz="1800" spc="-1" strike="noStrike">
+                <a:solidFill>
+                  <a:srgbClr val="404040"/>
+                </a:solidFill>
+                <a:latin typeface="Calibri Light"/>
+                <a:ea typeface="Monaco"/>
+              </a:rPr>
+              <a:t>La fecha de alta del empleado es la fecha actual</a:t>
+            </a:r>
+            <a:endParaRPr b="0" lang="en-US" sz="1800" spc="-1" strike="noStrike">
+              <a:solidFill>
+                <a:srgbClr val="404040"/>
+              </a:solidFill>
+              <a:latin typeface="Calibri"/>
+            </a:endParaRPr>
+          </a:p>
+          <a:p>
+            <a:pPr lvl="1" marL="384120" indent="-182520" algn="just">
+              <a:lnSpc>
+                <a:spcPct val="90000"/>
+              </a:lnSpc>
+              <a:spcBef>
+                <a:spcPts val="601"/>
+              </a:spcBef>
+              <a:spcAft>
+                <a:spcPts val="400"/>
+              </a:spcAft>
+              <a:buClr>
+                <a:srgbClr val="e48312"/>
+              </a:buClr>
+              <a:buSzPct val="75000"/>
+              <a:buFont typeface="Helvetica Light"/>
+              <a:buChar char="•"/>
+              <a:tabLst>
+                <a:tab algn="l" pos="0"/>
+              </a:tabLst>
+            </a:pPr>
+            <a:r>
+              <a:rPr b="0" lang="es-ES_tradnl" sz="1800" spc="-1" strike="noStrike">
+                <a:solidFill>
+                  <a:srgbClr val="404040"/>
+                </a:solidFill>
+                <a:latin typeface="Calibri Light"/>
+                <a:ea typeface="Monaco"/>
+              </a:rPr>
+              <a:t>Cuando se inserte la fila visualizar mensaje y si no se inserta visualizar el motivo (departamento inexistente, númeo de empleado duplicado, director inexistente, etc)</a:t>
+            </a:r>
+            <a:endParaRPr b="0" lang="en-US" sz="1800" spc="-1" strike="noStrike">
+              <a:solidFill>
+                <a:srgbClr val="404040"/>
+              </a:solidFill>
+              <a:latin typeface="Calibri"/>
+            </a:endParaRPr>
+          </a:p>
+        </p:txBody>
+      </p:sp>
+      <p:sp>
+        <p:nvSpPr>
+          <p:cNvPr id="334" name="TextShape 2"/>
+          <p:cNvSpPr txBox="1"/>
+          <p:nvPr/>
+        </p:nvSpPr>
+        <p:spPr>
+          <a:xfrm>
+            <a:off x="295560" y="178920"/>
+            <a:ext cx="11619720" cy="1450440"/>
+          </a:xfrm>
+          <a:prstGeom prst="rect">
+            <a:avLst/>
+          </a:prstGeom>
+          <a:noFill/>
+          <a:ln w="0">
+            <a:noFill/>
+          </a:ln>
+        </p:spPr>
+        <p:txBody>
+          <a:bodyPr anchor="b">
+            <a:normAutofit fontScale="80000"/>
+          </a:bodyPr>
+          <a:p>
+            <a:pPr algn="ctr">
+              <a:lnSpc>
+                <a:spcPct val="85000"/>
+              </a:lnSpc>
+            </a:pPr>
+            <a:r>
+              <a:rPr b="0" lang="es-ES" sz="4800" spc="-52" strike="noStrike">
+                <a:solidFill>
+                  <a:srgbClr val="404040"/>
+                </a:solidFill>
+                <a:latin typeface="Calibri Light"/>
+              </a:rPr>
+              <a:t>4. Ejecución de sentencias de  descripción de datos</a:t>
+            </a:r>
+            <a:br/>
+            <a:r>
+              <a:rPr b="0" lang="es-ES" sz="4800" spc="-52" strike="noStrike">
+                <a:solidFill>
+                  <a:srgbClr val="404040"/>
+                </a:solidFill>
+                <a:latin typeface="Calibri Light"/>
+              </a:rPr>
+              <a:t>- ResultSetMetaData - </a:t>
+            </a:r>
+            <a:endParaRPr b="0" lang="en-US" sz="4800" spc="-1" strike="noStrike">
+              <a:solidFill>
+                <a:srgbClr val="000000"/>
+              </a:solidFill>
+              <a:latin typeface="Calibri"/>
+            </a:endParaRPr>
+          </a:p>
+        </p:txBody>
+      </p:sp>
+    </p:spTree>
+  </p:cSld>
+  <mc:AlternateContent>
+    <mc:Choice Requires="p14">
+      <p:transition spd="slow" p14:dur="2000"/>
+    </mc:Choice>
+    <mc:Fallback>
+      <p:transition spd="slow"/>
+    </mc:Fallback>
+  </mc:AlternateContent>
+</p:sld>
+</file>
+
+<file path=ppt/slides/slide48.xml><?xml version="1.0" encoding="utf-8"?>
+<p:sld xmlns:a="http://schemas.openxmlformats.org/drawingml/2006/main" xmlns:p="http://schemas.openxmlformats.org/presentationml/2006/main" xmlns:r="http://schemas.openxmlformats.org/officeDocument/2006/relationships" xmlns:p14="http://schemas.microsoft.com/office/powerpoint/2010/main" xmlns:p15="http://schemas.microsoft.com/office/powerpoint/2012/main" xmlns:mc="http://schemas.openxmlformats.org/markup-compatibility/2006">
+  <p:cSld>
+    <p:spTree>
+      <p:nvGrpSpPr>
+        <p:cNvPr id="1" name=""/>
+        <p:cNvGrpSpPr/>
+        <p:nvPr/>
+      </p:nvGrpSpPr>
+      <p:grpSpPr>
+        <a:xfrm>
+          <a:off x="0" y="0"/>
+          <a:ext cx="0" cy="0"/>
+          <a:chOff x="0" y="0"/>
+          <a:chExt cx="0" cy="0"/>
+        </a:xfrm>
+      </p:grpSpPr>
+      <p:sp>
+        <p:nvSpPr>
+          <p:cNvPr id="335" name="TextShape 1"/>
+          <p:cNvSpPr txBox="1"/>
+          <p:nvPr/>
+        </p:nvSpPr>
+        <p:spPr>
+          <a:xfrm>
             <a:off x="295560" y="286560"/>
             <a:ext cx="11619720" cy="1450440"/>
           </a:xfrm>
@@ -34464,7 +35884,7 @@
       </p:sp>
       <p:sp>
         <p:nvSpPr>
-          <p:cNvPr id="334" name="TextShape 2"/>
+          <p:cNvPr id="336" name="TextShape 2"/>
           <p:cNvSpPr txBox="1"/>
           <p:nvPr/>
         </p:nvSpPr>
